--- a/EnviroControl/Resources/icons/designer.pptx
+++ b/EnviroControl/Resources/icons/designer.pptx
@@ -6,6 +6,8 @@
   </p:sldMasterIdLst>
   <p:sldIdLst>
     <p:sldId id="256" r:id="rId2"/>
+    <p:sldId id="257" r:id="rId3"/>
+    <p:sldId id="258" r:id="rId4"/>
   </p:sldIdLst>
   <p:sldSz cx="12192000" cy="6858000"/>
   <p:notesSz cx="6858000" cy="9144000"/>
@@ -3475,10 +3477,1577 @@
           </a:p>
         </p:txBody>
       </p:sp>
+      <p:grpSp>
+        <p:nvGrpSpPr>
+          <p:cNvPr id="9" name="Gruppieren 8">
+            <a:extLst>
+              <a:ext uri="{FF2B5EF4-FFF2-40B4-BE49-F238E27FC236}">
+                <a16:creationId xmlns:a16="http://schemas.microsoft.com/office/drawing/2014/main" id="{2D51C7F6-172D-3ECA-0FD5-51416A5D33A8}"/>
+              </a:ext>
+            </a:extLst>
+          </p:cNvPr>
+          <p:cNvGrpSpPr/>
+          <p:nvPr/>
+        </p:nvGrpSpPr>
+        <p:grpSpPr>
+          <a:xfrm>
+            <a:off x="5264523" y="1966918"/>
+            <a:ext cx="1196789" cy="1569660"/>
+            <a:chOff x="5264523" y="1966918"/>
+            <a:chExt cx="1196789" cy="1569660"/>
+          </a:xfrm>
+        </p:grpSpPr>
+        <p:sp>
+          <p:nvSpPr>
+            <p:cNvPr id="7" name="Ellipse 6">
+              <a:extLst>
+                <a:ext uri="{FF2B5EF4-FFF2-40B4-BE49-F238E27FC236}">
+                  <a16:creationId xmlns:a16="http://schemas.microsoft.com/office/drawing/2014/main" id="{E171514D-F893-2F81-D972-4FBD507E3004}"/>
+                </a:ext>
+              </a:extLst>
+            </p:cNvPr>
+            <p:cNvSpPr>
+              <a:spLocks noChangeAspect="1"/>
+            </p:cNvSpPr>
+            <p:nvPr/>
+          </p:nvSpPr>
+          <p:spPr>
+            <a:xfrm>
+              <a:off x="5264523" y="2124634"/>
+              <a:ext cx="1196789" cy="1196789"/>
+            </a:xfrm>
+            <a:prstGeom prst="ellipse">
+              <a:avLst/>
+            </a:prstGeom>
+            <a:noFill/>
+            <a:ln w="57150">
+              <a:solidFill>
+                <a:srgbClr val="0070C0"/>
+              </a:solidFill>
+            </a:ln>
+          </p:spPr>
+          <p:style>
+            <a:lnRef idx="2">
+              <a:schemeClr val="accent1">
+                <a:shade val="15000"/>
+              </a:schemeClr>
+            </a:lnRef>
+            <a:fillRef idx="1">
+              <a:schemeClr val="accent1"/>
+            </a:fillRef>
+            <a:effectRef idx="0">
+              <a:schemeClr val="accent1"/>
+            </a:effectRef>
+            <a:fontRef idx="minor">
+              <a:schemeClr val="lt1"/>
+            </a:fontRef>
+          </p:style>
+          <p:txBody>
+            <a:bodyPr rtlCol="0" anchor="ctr"/>
+            <a:lstStyle/>
+            <a:p>
+              <a:pPr algn="ctr"/>
+              <a:endParaRPr lang="de-DE"/>
+            </a:p>
+          </p:txBody>
+        </p:sp>
+        <p:sp>
+          <p:nvSpPr>
+            <p:cNvPr id="8" name="Textfeld 7">
+              <a:extLst>
+                <a:ext uri="{FF2B5EF4-FFF2-40B4-BE49-F238E27FC236}">
+                  <a16:creationId xmlns:a16="http://schemas.microsoft.com/office/drawing/2014/main" id="{AC93B203-0272-F742-F888-10F969F51A85}"/>
+                </a:ext>
+              </a:extLst>
+            </p:cNvPr>
+            <p:cNvSpPr txBox="1"/>
+            <p:nvPr/>
+          </p:nvSpPr>
+          <p:spPr>
+            <a:xfrm>
+              <a:off x="5451586" y="1966918"/>
+              <a:ext cx="822661" cy="1569660"/>
+            </a:xfrm>
+            <a:prstGeom prst="rect">
+              <a:avLst/>
+            </a:prstGeom>
+            <a:noFill/>
+          </p:spPr>
+          <p:txBody>
+            <a:bodyPr wrap="none" rtlCol="0">
+              <a:spAutoFit/>
+            </a:bodyPr>
+            <a:lstStyle/>
+            <a:p>
+              <a:r>
+                <a:rPr lang="de-DE" sz="9600" b="1" dirty="0">
+                  <a:solidFill>
+                    <a:srgbClr val="0070C0"/>
+                  </a:solidFill>
+                </a:rPr>
+                <a:t>?</a:t>
+              </a:r>
+            </a:p>
+          </p:txBody>
+        </p:sp>
+      </p:grpSp>
     </p:spTree>
     <p:extLst>
       <p:ext uri="{BB962C8B-B14F-4D97-AF65-F5344CB8AC3E}">
         <p14:creationId xmlns:p14="http://schemas.microsoft.com/office/powerpoint/2010/main" val="2416733768"/>
+      </p:ext>
+    </p:extLst>
+  </p:cSld>
+  <p:clrMapOvr>
+    <a:masterClrMapping/>
+  </p:clrMapOvr>
+</p:sld>
+</file>
+
+<file path=ppt/slides/slide2.xml><?xml version="1.0" encoding="utf-8"?>
+<p:sld xmlns:a="http://schemas.openxmlformats.org/drawingml/2006/main" xmlns:r="http://schemas.openxmlformats.org/officeDocument/2006/relationships" xmlns:p="http://schemas.openxmlformats.org/presentationml/2006/main">
+  <p:cSld>
+    <p:spTree>
+      <p:nvGrpSpPr>
+        <p:cNvPr id="1" name=""/>
+        <p:cNvGrpSpPr/>
+        <p:nvPr/>
+      </p:nvGrpSpPr>
+      <p:grpSpPr>
+        <a:xfrm>
+          <a:off x="0" y="0"/>
+          <a:ext cx="0" cy="0"/>
+          <a:chOff x="0" y="0"/>
+          <a:chExt cx="0" cy="0"/>
+        </a:xfrm>
+      </p:grpSpPr>
+      <p:sp>
+        <p:nvSpPr>
+          <p:cNvPr id="4" name="Rechteck 3">
+            <a:extLst>
+              <a:ext uri="{FF2B5EF4-FFF2-40B4-BE49-F238E27FC236}">
+                <a16:creationId xmlns:a16="http://schemas.microsoft.com/office/drawing/2014/main" id="{8E8DBCA2-81DB-57FF-85BD-627D8193D726}"/>
+              </a:ext>
+            </a:extLst>
+          </p:cNvPr>
+          <p:cNvSpPr/>
+          <p:nvPr/>
+        </p:nvSpPr>
+        <p:spPr>
+          <a:xfrm>
+            <a:off x="4229100" y="1704414"/>
+            <a:ext cx="2057406" cy="3402106"/>
+          </a:xfrm>
+          <a:prstGeom prst="rect">
+            <a:avLst/>
+          </a:prstGeom>
+          <a:noFill/>
+          <a:ln w="254000">
+            <a:solidFill>
+              <a:schemeClr val="tx1"/>
+            </a:solidFill>
+          </a:ln>
+        </p:spPr>
+        <p:style>
+          <a:lnRef idx="2">
+            <a:schemeClr val="accent1">
+              <a:shade val="15000"/>
+            </a:schemeClr>
+          </a:lnRef>
+          <a:fillRef idx="1">
+            <a:schemeClr val="accent1"/>
+          </a:fillRef>
+          <a:effectRef idx="0">
+            <a:schemeClr val="accent1"/>
+          </a:effectRef>
+          <a:fontRef idx="minor">
+            <a:schemeClr val="lt1"/>
+          </a:fontRef>
+        </p:style>
+        <p:txBody>
+          <a:bodyPr rtlCol="0" anchor="ctr"/>
+          <a:lstStyle/>
+          <a:p>
+            <a:pPr algn="ctr"/>
+            <a:endParaRPr lang="de-DE"/>
+          </a:p>
+        </p:txBody>
+      </p:sp>
+      <p:grpSp>
+        <p:nvGrpSpPr>
+          <p:cNvPr id="20" name="Gruppieren 19">
+            <a:extLst>
+              <a:ext uri="{FF2B5EF4-FFF2-40B4-BE49-F238E27FC236}">
+                <a16:creationId xmlns:a16="http://schemas.microsoft.com/office/drawing/2014/main" id="{0D7DB332-4ADC-EC94-1C65-A0EF99513B93}"/>
+              </a:ext>
+            </a:extLst>
+          </p:cNvPr>
+          <p:cNvGrpSpPr/>
+          <p:nvPr/>
+        </p:nvGrpSpPr>
+        <p:grpSpPr>
+          <a:xfrm>
+            <a:off x="2662517" y="1085850"/>
+            <a:ext cx="1566583" cy="4686300"/>
+            <a:chOff x="2554941" y="1176618"/>
+            <a:chExt cx="1566583" cy="4686300"/>
+          </a:xfrm>
+        </p:grpSpPr>
+        <p:cxnSp>
+          <p:nvCxnSpPr>
+            <p:cNvPr id="6" name="Gerader Verbinder 5">
+              <a:extLst>
+                <a:ext uri="{FF2B5EF4-FFF2-40B4-BE49-F238E27FC236}">
+                  <a16:creationId xmlns:a16="http://schemas.microsoft.com/office/drawing/2014/main" id="{87565233-6F03-31E2-5B5F-17458D6A2A19}"/>
+                </a:ext>
+              </a:extLst>
+            </p:cNvPr>
+            <p:cNvCxnSpPr/>
+            <p:nvPr/>
+          </p:nvCxnSpPr>
+          <p:spPr>
+            <a:xfrm>
+              <a:off x="2554941" y="1176618"/>
+              <a:ext cx="0" cy="4686300"/>
+            </a:xfrm>
+            <a:prstGeom prst="line">
+              <a:avLst/>
+            </a:prstGeom>
+            <a:ln w="254000">
+              <a:solidFill>
+                <a:schemeClr val="tx1"/>
+              </a:solidFill>
+            </a:ln>
+          </p:spPr>
+          <p:style>
+            <a:lnRef idx="2">
+              <a:schemeClr val="accent1"/>
+            </a:lnRef>
+            <a:fillRef idx="0">
+              <a:schemeClr val="accent1"/>
+            </a:fillRef>
+            <a:effectRef idx="1">
+              <a:schemeClr val="accent1"/>
+            </a:effectRef>
+            <a:fontRef idx="minor">
+              <a:schemeClr val="tx1"/>
+            </a:fontRef>
+          </p:style>
+        </p:cxnSp>
+        <p:cxnSp>
+          <p:nvCxnSpPr>
+            <p:cNvPr id="7" name="Gerader Verbinder 6">
+              <a:extLst>
+                <a:ext uri="{FF2B5EF4-FFF2-40B4-BE49-F238E27FC236}">
+                  <a16:creationId xmlns:a16="http://schemas.microsoft.com/office/drawing/2014/main" id="{0C6A14AA-F03E-3C85-F234-2CB62A4CAD43}"/>
+                </a:ext>
+              </a:extLst>
+            </p:cNvPr>
+            <p:cNvCxnSpPr>
+              <a:cxnSpLocks/>
+            </p:cNvCxnSpPr>
+            <p:nvPr/>
+          </p:nvCxnSpPr>
+          <p:spPr>
+            <a:xfrm>
+              <a:off x="2554941" y="1176618"/>
+              <a:ext cx="1566583" cy="618564"/>
+            </a:xfrm>
+            <a:prstGeom prst="line">
+              <a:avLst/>
+            </a:prstGeom>
+            <a:ln w="254000">
+              <a:solidFill>
+                <a:schemeClr val="tx1"/>
+              </a:solidFill>
+            </a:ln>
+          </p:spPr>
+          <p:style>
+            <a:lnRef idx="2">
+              <a:schemeClr val="accent1"/>
+            </a:lnRef>
+            <a:fillRef idx="0">
+              <a:schemeClr val="accent1"/>
+            </a:fillRef>
+            <a:effectRef idx="1">
+              <a:schemeClr val="accent1"/>
+            </a:effectRef>
+            <a:fontRef idx="minor">
+              <a:schemeClr val="tx1"/>
+            </a:fontRef>
+          </p:style>
+        </p:cxnSp>
+        <p:cxnSp>
+          <p:nvCxnSpPr>
+            <p:cNvPr id="10" name="Gerader Verbinder 9">
+              <a:extLst>
+                <a:ext uri="{FF2B5EF4-FFF2-40B4-BE49-F238E27FC236}">
+                  <a16:creationId xmlns:a16="http://schemas.microsoft.com/office/drawing/2014/main" id="{71F2E368-FCF0-0820-67C6-9C12921F42F5}"/>
+                </a:ext>
+              </a:extLst>
+            </p:cNvPr>
+            <p:cNvCxnSpPr>
+              <a:cxnSpLocks/>
+            </p:cNvCxnSpPr>
+            <p:nvPr/>
+          </p:nvCxnSpPr>
+          <p:spPr>
+            <a:xfrm flipV="1">
+              <a:off x="2554941" y="5206253"/>
+              <a:ext cx="1566583" cy="643217"/>
+            </a:xfrm>
+            <a:prstGeom prst="line">
+              <a:avLst/>
+            </a:prstGeom>
+            <a:ln w="254000">
+              <a:solidFill>
+                <a:schemeClr val="tx1"/>
+              </a:solidFill>
+            </a:ln>
+          </p:spPr>
+          <p:style>
+            <a:lnRef idx="2">
+              <a:schemeClr val="accent1"/>
+            </a:lnRef>
+            <a:fillRef idx="0">
+              <a:schemeClr val="accent1"/>
+            </a:fillRef>
+            <a:effectRef idx="1">
+              <a:schemeClr val="accent1"/>
+            </a:effectRef>
+            <a:fontRef idx="minor">
+              <a:schemeClr val="tx1"/>
+            </a:fontRef>
+          </p:style>
+        </p:cxnSp>
+        <p:cxnSp>
+          <p:nvCxnSpPr>
+            <p:cNvPr id="12" name="Gerader Verbinder 11">
+              <a:extLst>
+                <a:ext uri="{FF2B5EF4-FFF2-40B4-BE49-F238E27FC236}">
+                  <a16:creationId xmlns:a16="http://schemas.microsoft.com/office/drawing/2014/main" id="{494A15F6-4A42-4CCD-68A1-23FE65D76AAE}"/>
+                </a:ext>
+              </a:extLst>
+            </p:cNvPr>
+            <p:cNvCxnSpPr>
+              <a:cxnSpLocks/>
+            </p:cNvCxnSpPr>
+            <p:nvPr/>
+          </p:nvCxnSpPr>
+          <p:spPr>
+            <a:xfrm>
+              <a:off x="2554941" y="3039035"/>
+              <a:ext cx="1566583" cy="0"/>
+            </a:xfrm>
+            <a:prstGeom prst="line">
+              <a:avLst/>
+            </a:prstGeom>
+            <a:ln w="254000">
+              <a:solidFill>
+                <a:schemeClr val="tx1"/>
+              </a:solidFill>
+            </a:ln>
+          </p:spPr>
+          <p:style>
+            <a:lnRef idx="2">
+              <a:schemeClr val="accent1"/>
+            </a:lnRef>
+            <a:fillRef idx="0">
+              <a:schemeClr val="accent1"/>
+            </a:fillRef>
+            <a:effectRef idx="1">
+              <a:schemeClr val="accent1"/>
+            </a:effectRef>
+            <a:fontRef idx="minor">
+              <a:schemeClr val="tx1"/>
+            </a:fontRef>
+          </p:style>
+        </p:cxnSp>
+      </p:grpSp>
+      <p:cxnSp>
+        <p:nvCxnSpPr>
+          <p:cNvPr id="22" name="Gerader Verbinder 21">
+            <a:extLst>
+              <a:ext uri="{FF2B5EF4-FFF2-40B4-BE49-F238E27FC236}">
+                <a16:creationId xmlns:a16="http://schemas.microsoft.com/office/drawing/2014/main" id="{7F6C1633-98C9-8F30-6932-37A7B9356460}"/>
+              </a:ext>
+            </a:extLst>
+          </p:cNvPr>
+          <p:cNvCxnSpPr/>
+          <p:nvPr/>
+        </p:nvCxnSpPr>
+        <p:spPr>
+          <a:xfrm flipH="1">
+            <a:off x="7853074" y="1085850"/>
+            <a:ext cx="0" cy="4686300"/>
+          </a:xfrm>
+          <a:prstGeom prst="line">
+            <a:avLst/>
+          </a:prstGeom>
+          <a:ln w="254000">
+            <a:solidFill>
+              <a:schemeClr val="tx1"/>
+            </a:solidFill>
+          </a:ln>
+        </p:spPr>
+        <p:style>
+          <a:lnRef idx="2">
+            <a:schemeClr val="accent1"/>
+          </a:lnRef>
+          <a:fillRef idx="0">
+            <a:schemeClr val="accent1"/>
+          </a:fillRef>
+          <a:effectRef idx="1">
+            <a:schemeClr val="accent1"/>
+          </a:effectRef>
+          <a:fontRef idx="minor">
+            <a:schemeClr val="tx1"/>
+          </a:fontRef>
+        </p:style>
+      </p:cxnSp>
+      <p:cxnSp>
+        <p:nvCxnSpPr>
+          <p:cNvPr id="23" name="Gerader Verbinder 22">
+            <a:extLst>
+              <a:ext uri="{FF2B5EF4-FFF2-40B4-BE49-F238E27FC236}">
+                <a16:creationId xmlns:a16="http://schemas.microsoft.com/office/drawing/2014/main" id="{C49F2C9A-9E54-72F6-D5FD-432D07CE9952}"/>
+              </a:ext>
+            </a:extLst>
+          </p:cNvPr>
+          <p:cNvCxnSpPr>
+            <a:cxnSpLocks/>
+          </p:cNvCxnSpPr>
+          <p:nvPr/>
+        </p:nvCxnSpPr>
+        <p:spPr>
+          <a:xfrm flipH="1">
+            <a:off x="6286491" y="1085850"/>
+            <a:ext cx="1566583" cy="618564"/>
+          </a:xfrm>
+          <a:prstGeom prst="line">
+            <a:avLst/>
+          </a:prstGeom>
+          <a:ln w="254000">
+            <a:solidFill>
+              <a:schemeClr val="tx1"/>
+            </a:solidFill>
+          </a:ln>
+        </p:spPr>
+        <p:style>
+          <a:lnRef idx="2">
+            <a:schemeClr val="accent1"/>
+          </a:lnRef>
+          <a:fillRef idx="0">
+            <a:schemeClr val="accent1"/>
+          </a:fillRef>
+          <a:effectRef idx="1">
+            <a:schemeClr val="accent1"/>
+          </a:effectRef>
+          <a:fontRef idx="minor">
+            <a:schemeClr val="tx1"/>
+          </a:fontRef>
+        </p:style>
+      </p:cxnSp>
+      <p:cxnSp>
+        <p:nvCxnSpPr>
+          <p:cNvPr id="24" name="Gerader Verbinder 23">
+            <a:extLst>
+              <a:ext uri="{FF2B5EF4-FFF2-40B4-BE49-F238E27FC236}">
+                <a16:creationId xmlns:a16="http://schemas.microsoft.com/office/drawing/2014/main" id="{8A0A9745-46DC-7A87-5CED-B4FE68BAE07F}"/>
+              </a:ext>
+            </a:extLst>
+          </p:cNvPr>
+          <p:cNvCxnSpPr>
+            <a:cxnSpLocks/>
+          </p:cNvCxnSpPr>
+          <p:nvPr/>
+        </p:nvCxnSpPr>
+        <p:spPr>
+          <a:xfrm flipH="1" flipV="1">
+            <a:off x="6286491" y="5115485"/>
+            <a:ext cx="1566583" cy="643217"/>
+          </a:xfrm>
+          <a:prstGeom prst="line">
+            <a:avLst/>
+          </a:prstGeom>
+          <a:ln w="254000">
+            <a:solidFill>
+              <a:schemeClr val="tx1"/>
+            </a:solidFill>
+          </a:ln>
+        </p:spPr>
+        <p:style>
+          <a:lnRef idx="2">
+            <a:schemeClr val="accent1"/>
+          </a:lnRef>
+          <a:fillRef idx="0">
+            <a:schemeClr val="accent1"/>
+          </a:fillRef>
+          <a:effectRef idx="1">
+            <a:schemeClr val="accent1"/>
+          </a:effectRef>
+          <a:fontRef idx="minor">
+            <a:schemeClr val="tx1"/>
+          </a:fontRef>
+        </p:style>
+      </p:cxnSp>
+      <p:cxnSp>
+        <p:nvCxnSpPr>
+          <p:cNvPr id="25" name="Gerader Verbinder 24">
+            <a:extLst>
+              <a:ext uri="{FF2B5EF4-FFF2-40B4-BE49-F238E27FC236}">
+                <a16:creationId xmlns:a16="http://schemas.microsoft.com/office/drawing/2014/main" id="{59D4C7AD-5FCC-E3CB-CA47-3857E287FD1B}"/>
+              </a:ext>
+            </a:extLst>
+          </p:cNvPr>
+          <p:cNvCxnSpPr>
+            <a:cxnSpLocks/>
+          </p:cNvCxnSpPr>
+          <p:nvPr/>
+        </p:nvCxnSpPr>
+        <p:spPr>
+          <a:xfrm flipH="1">
+            <a:off x="6286491" y="2948267"/>
+            <a:ext cx="1566583" cy="0"/>
+          </a:xfrm>
+          <a:prstGeom prst="line">
+            <a:avLst/>
+          </a:prstGeom>
+          <a:ln w="254000">
+            <a:solidFill>
+              <a:schemeClr val="tx1"/>
+            </a:solidFill>
+          </a:ln>
+        </p:spPr>
+        <p:style>
+          <a:lnRef idx="2">
+            <a:schemeClr val="accent1"/>
+          </a:lnRef>
+          <a:fillRef idx="0">
+            <a:schemeClr val="accent1"/>
+          </a:fillRef>
+          <a:effectRef idx="1">
+            <a:schemeClr val="accent1"/>
+          </a:effectRef>
+          <a:fontRef idx="minor">
+            <a:schemeClr val="tx1"/>
+          </a:fontRef>
+        </p:style>
+      </p:cxnSp>
+      <p:grpSp>
+        <p:nvGrpSpPr>
+          <p:cNvPr id="31" name="Gruppieren 30">
+            <a:extLst>
+              <a:ext uri="{FF2B5EF4-FFF2-40B4-BE49-F238E27FC236}">
+                <a16:creationId xmlns:a16="http://schemas.microsoft.com/office/drawing/2014/main" id="{EAF5DAC5-3504-BBA6-7323-5B92C673ECC3}"/>
+              </a:ext>
+            </a:extLst>
+          </p:cNvPr>
+          <p:cNvGrpSpPr/>
+          <p:nvPr/>
+        </p:nvGrpSpPr>
+        <p:grpSpPr>
+          <a:xfrm>
+            <a:off x="6582334" y="1634377"/>
+            <a:ext cx="705966" cy="840581"/>
+            <a:chOff x="7066431" y="1691525"/>
+            <a:chExt cx="705966" cy="840581"/>
+          </a:xfrm>
+        </p:grpSpPr>
+        <p:cxnSp>
+          <p:nvCxnSpPr>
+            <p:cNvPr id="26" name="Gerader Verbinder 25">
+              <a:extLst>
+                <a:ext uri="{FF2B5EF4-FFF2-40B4-BE49-F238E27FC236}">
+                  <a16:creationId xmlns:a16="http://schemas.microsoft.com/office/drawing/2014/main" id="{CAB88F53-D5B1-4433-EF0F-BF473F862A89}"/>
+                </a:ext>
+              </a:extLst>
+            </p:cNvPr>
+            <p:cNvCxnSpPr>
+              <a:cxnSpLocks/>
+            </p:cNvCxnSpPr>
+            <p:nvPr/>
+          </p:nvCxnSpPr>
+          <p:spPr>
+            <a:xfrm flipV="1">
+              <a:off x="7066431" y="1691525"/>
+              <a:ext cx="598394" cy="761158"/>
+            </a:xfrm>
+            <a:prstGeom prst="line">
+              <a:avLst/>
+            </a:prstGeom>
+            <a:ln w="152400"/>
+          </p:spPr>
+          <p:style>
+            <a:lnRef idx="2">
+              <a:schemeClr val="accent1"/>
+            </a:lnRef>
+            <a:fillRef idx="0">
+              <a:schemeClr val="accent1"/>
+            </a:fillRef>
+            <a:effectRef idx="1">
+              <a:schemeClr val="accent1"/>
+            </a:effectRef>
+            <a:fontRef idx="minor">
+              <a:schemeClr val="tx1"/>
+            </a:fontRef>
+          </p:style>
+        </p:cxnSp>
+        <p:cxnSp>
+          <p:nvCxnSpPr>
+            <p:cNvPr id="27" name="Gerader Verbinder 26">
+              <a:extLst>
+                <a:ext uri="{FF2B5EF4-FFF2-40B4-BE49-F238E27FC236}">
+                  <a16:creationId xmlns:a16="http://schemas.microsoft.com/office/drawing/2014/main" id="{3A60941B-7E37-3996-1ABE-A1EFB4A9CDC3}"/>
+                </a:ext>
+              </a:extLst>
+            </p:cNvPr>
+            <p:cNvCxnSpPr>
+              <a:cxnSpLocks/>
+            </p:cNvCxnSpPr>
+            <p:nvPr/>
+          </p:nvCxnSpPr>
+          <p:spPr>
+            <a:xfrm flipV="1">
+              <a:off x="7429496" y="2088072"/>
+              <a:ext cx="342901" cy="444034"/>
+            </a:xfrm>
+            <a:prstGeom prst="line">
+              <a:avLst/>
+            </a:prstGeom>
+            <a:ln w="152400"/>
+          </p:spPr>
+          <p:style>
+            <a:lnRef idx="2">
+              <a:schemeClr val="accent1"/>
+            </a:lnRef>
+            <a:fillRef idx="0">
+              <a:schemeClr val="accent1"/>
+            </a:fillRef>
+            <a:effectRef idx="1">
+              <a:schemeClr val="accent1"/>
+            </a:effectRef>
+            <a:fontRef idx="minor">
+              <a:schemeClr val="tx1"/>
+            </a:fontRef>
+          </p:style>
+        </p:cxnSp>
+      </p:grpSp>
+      <p:grpSp>
+        <p:nvGrpSpPr>
+          <p:cNvPr id="32" name="Gruppieren 31">
+            <a:extLst>
+              <a:ext uri="{FF2B5EF4-FFF2-40B4-BE49-F238E27FC236}">
+                <a16:creationId xmlns:a16="http://schemas.microsoft.com/office/drawing/2014/main" id="{CB865EE1-6CD9-7FB1-FD86-BBBFEB9BE71F}"/>
+              </a:ext>
+            </a:extLst>
+          </p:cNvPr>
+          <p:cNvGrpSpPr/>
+          <p:nvPr/>
+        </p:nvGrpSpPr>
+        <p:grpSpPr>
+          <a:xfrm>
+            <a:off x="6575616" y="3298520"/>
+            <a:ext cx="705966" cy="840581"/>
+            <a:chOff x="7113499" y="1691525"/>
+            <a:chExt cx="705966" cy="840581"/>
+          </a:xfrm>
+        </p:grpSpPr>
+        <p:cxnSp>
+          <p:nvCxnSpPr>
+            <p:cNvPr id="33" name="Gerader Verbinder 32">
+              <a:extLst>
+                <a:ext uri="{FF2B5EF4-FFF2-40B4-BE49-F238E27FC236}">
+                  <a16:creationId xmlns:a16="http://schemas.microsoft.com/office/drawing/2014/main" id="{33B39283-4E35-667C-430F-76609DFA312B}"/>
+                </a:ext>
+              </a:extLst>
+            </p:cNvPr>
+            <p:cNvCxnSpPr>
+              <a:cxnSpLocks/>
+            </p:cNvCxnSpPr>
+            <p:nvPr/>
+          </p:nvCxnSpPr>
+          <p:spPr>
+            <a:xfrm flipV="1">
+              <a:off x="7113499" y="1691525"/>
+              <a:ext cx="598394" cy="761158"/>
+            </a:xfrm>
+            <a:prstGeom prst="line">
+              <a:avLst/>
+            </a:prstGeom>
+            <a:ln w="152400"/>
+          </p:spPr>
+          <p:style>
+            <a:lnRef idx="2">
+              <a:schemeClr val="accent1"/>
+            </a:lnRef>
+            <a:fillRef idx="0">
+              <a:schemeClr val="accent1"/>
+            </a:fillRef>
+            <a:effectRef idx="1">
+              <a:schemeClr val="accent1"/>
+            </a:effectRef>
+            <a:fontRef idx="minor">
+              <a:schemeClr val="tx1"/>
+            </a:fontRef>
+          </p:style>
+        </p:cxnSp>
+        <p:cxnSp>
+          <p:nvCxnSpPr>
+            <p:cNvPr id="34" name="Gerader Verbinder 33">
+              <a:extLst>
+                <a:ext uri="{FF2B5EF4-FFF2-40B4-BE49-F238E27FC236}">
+                  <a16:creationId xmlns:a16="http://schemas.microsoft.com/office/drawing/2014/main" id="{FCD0BA55-E59B-2EF1-8735-56A699AB857E}"/>
+                </a:ext>
+              </a:extLst>
+            </p:cNvPr>
+            <p:cNvCxnSpPr>
+              <a:cxnSpLocks/>
+            </p:cNvCxnSpPr>
+            <p:nvPr/>
+          </p:nvCxnSpPr>
+          <p:spPr>
+            <a:xfrm flipV="1">
+              <a:off x="7476564" y="2088072"/>
+              <a:ext cx="342901" cy="444034"/>
+            </a:xfrm>
+            <a:prstGeom prst="line">
+              <a:avLst/>
+            </a:prstGeom>
+            <a:ln w="152400"/>
+          </p:spPr>
+          <p:style>
+            <a:lnRef idx="2">
+              <a:schemeClr val="accent1"/>
+            </a:lnRef>
+            <a:fillRef idx="0">
+              <a:schemeClr val="accent1"/>
+            </a:fillRef>
+            <a:effectRef idx="1">
+              <a:schemeClr val="accent1"/>
+            </a:effectRef>
+            <a:fontRef idx="minor">
+              <a:schemeClr val="tx1"/>
+            </a:fontRef>
+          </p:style>
+        </p:cxnSp>
+      </p:grpSp>
+      <p:grpSp>
+        <p:nvGrpSpPr>
+          <p:cNvPr id="35" name="Gruppieren 34">
+            <a:extLst>
+              <a:ext uri="{FF2B5EF4-FFF2-40B4-BE49-F238E27FC236}">
+                <a16:creationId xmlns:a16="http://schemas.microsoft.com/office/drawing/2014/main" id="{3FA6B800-6E74-ECB3-B4EF-CE3D6F4E4701}"/>
+              </a:ext>
+            </a:extLst>
+          </p:cNvPr>
+          <p:cNvGrpSpPr/>
+          <p:nvPr/>
+        </p:nvGrpSpPr>
+        <p:grpSpPr>
+          <a:xfrm>
+            <a:off x="2928108" y="1669252"/>
+            <a:ext cx="705966" cy="840581"/>
+            <a:chOff x="7066431" y="1691525"/>
+            <a:chExt cx="705966" cy="840581"/>
+          </a:xfrm>
+        </p:grpSpPr>
+        <p:cxnSp>
+          <p:nvCxnSpPr>
+            <p:cNvPr id="36" name="Gerader Verbinder 35">
+              <a:extLst>
+                <a:ext uri="{FF2B5EF4-FFF2-40B4-BE49-F238E27FC236}">
+                  <a16:creationId xmlns:a16="http://schemas.microsoft.com/office/drawing/2014/main" id="{B1C6872C-39A3-B7F4-6575-3B4380C6E798}"/>
+                </a:ext>
+              </a:extLst>
+            </p:cNvPr>
+            <p:cNvCxnSpPr>
+              <a:cxnSpLocks/>
+            </p:cNvCxnSpPr>
+            <p:nvPr/>
+          </p:nvCxnSpPr>
+          <p:spPr>
+            <a:xfrm flipV="1">
+              <a:off x="7066431" y="1691525"/>
+              <a:ext cx="598394" cy="761158"/>
+            </a:xfrm>
+            <a:prstGeom prst="line">
+              <a:avLst/>
+            </a:prstGeom>
+            <a:ln w="152400"/>
+          </p:spPr>
+          <p:style>
+            <a:lnRef idx="2">
+              <a:schemeClr val="accent1"/>
+            </a:lnRef>
+            <a:fillRef idx="0">
+              <a:schemeClr val="accent1"/>
+            </a:fillRef>
+            <a:effectRef idx="1">
+              <a:schemeClr val="accent1"/>
+            </a:effectRef>
+            <a:fontRef idx="minor">
+              <a:schemeClr val="tx1"/>
+            </a:fontRef>
+          </p:style>
+        </p:cxnSp>
+        <p:cxnSp>
+          <p:nvCxnSpPr>
+            <p:cNvPr id="37" name="Gerader Verbinder 36">
+              <a:extLst>
+                <a:ext uri="{FF2B5EF4-FFF2-40B4-BE49-F238E27FC236}">
+                  <a16:creationId xmlns:a16="http://schemas.microsoft.com/office/drawing/2014/main" id="{37ECC361-8841-DBF7-0F4D-42EEF732C53D}"/>
+                </a:ext>
+              </a:extLst>
+            </p:cNvPr>
+            <p:cNvCxnSpPr>
+              <a:cxnSpLocks/>
+            </p:cNvCxnSpPr>
+            <p:nvPr/>
+          </p:nvCxnSpPr>
+          <p:spPr>
+            <a:xfrm flipV="1">
+              <a:off x="7429496" y="2088072"/>
+              <a:ext cx="342901" cy="444034"/>
+            </a:xfrm>
+            <a:prstGeom prst="line">
+              <a:avLst/>
+            </a:prstGeom>
+            <a:ln w="152400"/>
+          </p:spPr>
+          <p:style>
+            <a:lnRef idx="2">
+              <a:schemeClr val="accent1"/>
+            </a:lnRef>
+            <a:fillRef idx="0">
+              <a:schemeClr val="accent1"/>
+            </a:fillRef>
+            <a:effectRef idx="1">
+              <a:schemeClr val="accent1"/>
+            </a:effectRef>
+            <a:fontRef idx="minor">
+              <a:schemeClr val="tx1"/>
+            </a:fontRef>
+          </p:style>
+        </p:cxnSp>
+      </p:grpSp>
+      <p:grpSp>
+        <p:nvGrpSpPr>
+          <p:cNvPr id="38" name="Gruppieren 37">
+            <a:extLst>
+              <a:ext uri="{FF2B5EF4-FFF2-40B4-BE49-F238E27FC236}">
+                <a16:creationId xmlns:a16="http://schemas.microsoft.com/office/drawing/2014/main" id="{BBB209DE-1E6D-4526-3FDC-DCB64C4DD4E4}"/>
+              </a:ext>
+            </a:extLst>
+          </p:cNvPr>
+          <p:cNvGrpSpPr/>
+          <p:nvPr/>
+        </p:nvGrpSpPr>
+        <p:grpSpPr>
+          <a:xfrm>
+            <a:off x="2938190" y="3219097"/>
+            <a:ext cx="705966" cy="840581"/>
+            <a:chOff x="7066431" y="1691525"/>
+            <a:chExt cx="705966" cy="840581"/>
+          </a:xfrm>
+        </p:grpSpPr>
+        <p:cxnSp>
+          <p:nvCxnSpPr>
+            <p:cNvPr id="39" name="Gerader Verbinder 38">
+              <a:extLst>
+                <a:ext uri="{FF2B5EF4-FFF2-40B4-BE49-F238E27FC236}">
+                  <a16:creationId xmlns:a16="http://schemas.microsoft.com/office/drawing/2014/main" id="{CFB32C3A-9F80-E6B6-853D-3140AD383378}"/>
+                </a:ext>
+              </a:extLst>
+            </p:cNvPr>
+            <p:cNvCxnSpPr>
+              <a:cxnSpLocks/>
+            </p:cNvCxnSpPr>
+            <p:nvPr/>
+          </p:nvCxnSpPr>
+          <p:spPr>
+            <a:xfrm flipV="1">
+              <a:off x="7066431" y="1691525"/>
+              <a:ext cx="598394" cy="761158"/>
+            </a:xfrm>
+            <a:prstGeom prst="line">
+              <a:avLst/>
+            </a:prstGeom>
+            <a:ln w="152400"/>
+          </p:spPr>
+          <p:style>
+            <a:lnRef idx="2">
+              <a:schemeClr val="accent1"/>
+            </a:lnRef>
+            <a:fillRef idx="0">
+              <a:schemeClr val="accent1"/>
+            </a:fillRef>
+            <a:effectRef idx="1">
+              <a:schemeClr val="accent1"/>
+            </a:effectRef>
+            <a:fontRef idx="minor">
+              <a:schemeClr val="tx1"/>
+            </a:fontRef>
+          </p:style>
+        </p:cxnSp>
+        <p:cxnSp>
+          <p:nvCxnSpPr>
+            <p:cNvPr id="40" name="Gerader Verbinder 39">
+              <a:extLst>
+                <a:ext uri="{FF2B5EF4-FFF2-40B4-BE49-F238E27FC236}">
+                  <a16:creationId xmlns:a16="http://schemas.microsoft.com/office/drawing/2014/main" id="{3847F7B7-7A75-4FB9-26FD-530539322BB0}"/>
+                </a:ext>
+              </a:extLst>
+            </p:cNvPr>
+            <p:cNvCxnSpPr>
+              <a:cxnSpLocks/>
+            </p:cNvCxnSpPr>
+            <p:nvPr/>
+          </p:nvCxnSpPr>
+          <p:spPr>
+            <a:xfrm flipV="1">
+              <a:off x="7429496" y="2088072"/>
+              <a:ext cx="342901" cy="444034"/>
+            </a:xfrm>
+            <a:prstGeom prst="line">
+              <a:avLst/>
+            </a:prstGeom>
+            <a:ln w="152400"/>
+          </p:spPr>
+          <p:style>
+            <a:lnRef idx="2">
+              <a:schemeClr val="accent1"/>
+            </a:lnRef>
+            <a:fillRef idx="0">
+              <a:schemeClr val="accent1"/>
+            </a:fillRef>
+            <a:effectRef idx="1">
+              <a:schemeClr val="accent1"/>
+            </a:effectRef>
+            <a:fontRef idx="minor">
+              <a:schemeClr val="tx1"/>
+            </a:fontRef>
+          </p:style>
+        </p:cxnSp>
+      </p:grpSp>
+    </p:spTree>
+    <p:extLst>
+      <p:ext uri="{BB962C8B-B14F-4D97-AF65-F5344CB8AC3E}">
+        <p14:creationId xmlns:p14="http://schemas.microsoft.com/office/powerpoint/2010/main" val="1839028999"/>
+      </p:ext>
+    </p:extLst>
+  </p:cSld>
+  <p:clrMapOvr>
+    <a:masterClrMapping/>
+  </p:clrMapOvr>
+</p:sld>
+</file>
+
+<file path=ppt/slides/slide3.xml><?xml version="1.0" encoding="utf-8"?>
+<p:sld xmlns:a="http://schemas.openxmlformats.org/drawingml/2006/main" xmlns:r="http://schemas.openxmlformats.org/officeDocument/2006/relationships" xmlns:p="http://schemas.openxmlformats.org/presentationml/2006/main">
+  <p:cSld>
+    <p:spTree>
+      <p:nvGrpSpPr>
+        <p:cNvPr id="1" name="">
+          <a:extLst>
+            <a:ext uri="{FF2B5EF4-FFF2-40B4-BE49-F238E27FC236}">
+              <a16:creationId xmlns:a16="http://schemas.microsoft.com/office/drawing/2014/main" id="{CEA2DB09-4DF0-2008-2666-5F75BAA222ED}"/>
+            </a:ext>
+          </a:extLst>
+        </p:cNvPr>
+        <p:cNvGrpSpPr/>
+        <p:nvPr/>
+      </p:nvGrpSpPr>
+      <p:grpSpPr>
+        <a:xfrm>
+          <a:off x="0" y="0"/>
+          <a:ext cx="0" cy="0"/>
+          <a:chOff x="0" y="0"/>
+          <a:chExt cx="0" cy="0"/>
+        </a:xfrm>
+      </p:grpSpPr>
+      <p:sp>
+        <p:nvSpPr>
+          <p:cNvPr id="4" name="Rechteck 3">
+            <a:extLst>
+              <a:ext uri="{FF2B5EF4-FFF2-40B4-BE49-F238E27FC236}">
+                <a16:creationId xmlns:a16="http://schemas.microsoft.com/office/drawing/2014/main" id="{529193F4-EDEC-2668-D496-69EC1CF84D17}"/>
+              </a:ext>
+            </a:extLst>
+          </p:cNvPr>
+          <p:cNvSpPr/>
+          <p:nvPr/>
+        </p:nvSpPr>
+        <p:spPr>
+          <a:xfrm>
+            <a:off x="4121524" y="1795182"/>
+            <a:ext cx="2729752" cy="3402106"/>
+          </a:xfrm>
+          <a:prstGeom prst="rect">
+            <a:avLst/>
+          </a:prstGeom>
+          <a:noFill/>
+          <a:ln w="215900">
+            <a:solidFill>
+              <a:schemeClr val="tx1"/>
+            </a:solidFill>
+          </a:ln>
+        </p:spPr>
+        <p:style>
+          <a:lnRef idx="2">
+            <a:schemeClr val="accent1">
+              <a:shade val="15000"/>
+            </a:schemeClr>
+          </a:lnRef>
+          <a:fillRef idx="1">
+            <a:schemeClr val="accent1"/>
+          </a:fillRef>
+          <a:effectRef idx="0">
+            <a:schemeClr val="accent1"/>
+          </a:effectRef>
+          <a:fontRef idx="minor">
+            <a:schemeClr val="lt1"/>
+          </a:fontRef>
+        </p:style>
+        <p:txBody>
+          <a:bodyPr rtlCol="0" anchor="ctr"/>
+          <a:lstStyle/>
+          <a:p>
+            <a:pPr algn="ctr"/>
+            <a:endParaRPr lang="de-DE"/>
+          </a:p>
+        </p:txBody>
+      </p:sp>
+      <p:cxnSp>
+        <p:nvCxnSpPr>
+          <p:cNvPr id="25" name="Gerader Verbinder 24">
+            <a:extLst>
+              <a:ext uri="{FF2B5EF4-FFF2-40B4-BE49-F238E27FC236}">
+                <a16:creationId xmlns:a16="http://schemas.microsoft.com/office/drawing/2014/main" id="{2B8A8C2D-6A66-CBFA-57F8-982C6407CFDC}"/>
+              </a:ext>
+            </a:extLst>
+          </p:cNvPr>
+          <p:cNvCxnSpPr>
+            <a:cxnSpLocks/>
+          </p:cNvCxnSpPr>
+          <p:nvPr/>
+        </p:nvCxnSpPr>
+        <p:spPr>
+          <a:xfrm flipH="1">
+            <a:off x="5486400" y="3039035"/>
+            <a:ext cx="1364876" cy="0"/>
+          </a:xfrm>
+          <a:prstGeom prst="line">
+            <a:avLst/>
+          </a:prstGeom>
+          <a:ln w="215900">
+            <a:solidFill>
+              <a:schemeClr val="tx1"/>
+            </a:solidFill>
+          </a:ln>
+        </p:spPr>
+        <p:style>
+          <a:lnRef idx="2">
+            <a:schemeClr val="accent1"/>
+          </a:lnRef>
+          <a:fillRef idx="0">
+            <a:schemeClr val="accent1"/>
+          </a:fillRef>
+          <a:effectRef idx="1">
+            <a:schemeClr val="accent1"/>
+          </a:effectRef>
+          <a:fontRef idx="minor">
+            <a:schemeClr val="tx1"/>
+          </a:fontRef>
+        </p:style>
+      </p:cxnSp>
+      <p:grpSp>
+        <p:nvGrpSpPr>
+          <p:cNvPr id="35" name="Gruppieren 34">
+            <a:extLst>
+              <a:ext uri="{FF2B5EF4-FFF2-40B4-BE49-F238E27FC236}">
+                <a16:creationId xmlns:a16="http://schemas.microsoft.com/office/drawing/2014/main" id="{907823E1-8F9E-8FD8-57C3-73DCACF6A43A}"/>
+              </a:ext>
+            </a:extLst>
+          </p:cNvPr>
+          <p:cNvGrpSpPr/>
+          <p:nvPr/>
+        </p:nvGrpSpPr>
+        <p:grpSpPr>
+          <a:xfrm>
+            <a:off x="4360219" y="2016990"/>
+            <a:ext cx="705966" cy="840581"/>
+            <a:chOff x="7066431" y="1691525"/>
+            <a:chExt cx="705966" cy="840581"/>
+          </a:xfrm>
+        </p:grpSpPr>
+        <p:cxnSp>
+          <p:nvCxnSpPr>
+            <p:cNvPr id="36" name="Gerader Verbinder 35">
+              <a:extLst>
+                <a:ext uri="{FF2B5EF4-FFF2-40B4-BE49-F238E27FC236}">
+                  <a16:creationId xmlns:a16="http://schemas.microsoft.com/office/drawing/2014/main" id="{AE39DB78-D5B3-73CA-84F9-985B7AE2E908}"/>
+                </a:ext>
+              </a:extLst>
+            </p:cNvPr>
+            <p:cNvCxnSpPr>
+              <a:cxnSpLocks/>
+            </p:cNvCxnSpPr>
+            <p:nvPr/>
+          </p:nvCxnSpPr>
+          <p:spPr>
+            <a:xfrm flipV="1">
+              <a:off x="7066431" y="1691525"/>
+              <a:ext cx="598394" cy="761158"/>
+            </a:xfrm>
+            <a:prstGeom prst="line">
+              <a:avLst/>
+            </a:prstGeom>
+            <a:ln w="123825"/>
+          </p:spPr>
+          <p:style>
+            <a:lnRef idx="2">
+              <a:schemeClr val="accent1"/>
+            </a:lnRef>
+            <a:fillRef idx="0">
+              <a:schemeClr val="accent1"/>
+            </a:fillRef>
+            <a:effectRef idx="1">
+              <a:schemeClr val="accent1"/>
+            </a:effectRef>
+            <a:fontRef idx="minor">
+              <a:schemeClr val="tx1"/>
+            </a:fontRef>
+          </p:style>
+        </p:cxnSp>
+        <p:cxnSp>
+          <p:nvCxnSpPr>
+            <p:cNvPr id="37" name="Gerader Verbinder 36">
+              <a:extLst>
+                <a:ext uri="{FF2B5EF4-FFF2-40B4-BE49-F238E27FC236}">
+                  <a16:creationId xmlns:a16="http://schemas.microsoft.com/office/drawing/2014/main" id="{5AD8C296-CCA4-3E9B-2DF9-8EE1AD6ECD6C}"/>
+                </a:ext>
+              </a:extLst>
+            </p:cNvPr>
+            <p:cNvCxnSpPr>
+              <a:cxnSpLocks/>
+            </p:cNvCxnSpPr>
+            <p:nvPr/>
+          </p:nvCxnSpPr>
+          <p:spPr>
+            <a:xfrm flipV="1">
+              <a:off x="7429496" y="2088072"/>
+              <a:ext cx="342901" cy="444034"/>
+            </a:xfrm>
+            <a:prstGeom prst="line">
+              <a:avLst/>
+            </a:prstGeom>
+            <a:ln w="123825"/>
+          </p:spPr>
+          <p:style>
+            <a:lnRef idx="2">
+              <a:schemeClr val="accent1"/>
+            </a:lnRef>
+            <a:fillRef idx="0">
+              <a:schemeClr val="accent1"/>
+            </a:fillRef>
+            <a:effectRef idx="1">
+              <a:schemeClr val="accent1"/>
+            </a:effectRef>
+            <a:fontRef idx="minor">
+              <a:schemeClr val="tx1"/>
+            </a:fontRef>
+          </p:style>
+        </p:cxnSp>
+      </p:grpSp>
+      <p:cxnSp>
+        <p:nvCxnSpPr>
+          <p:cNvPr id="2" name="Gerader Verbinder 1">
+            <a:extLst>
+              <a:ext uri="{FF2B5EF4-FFF2-40B4-BE49-F238E27FC236}">
+                <a16:creationId xmlns:a16="http://schemas.microsoft.com/office/drawing/2014/main" id="{065BD340-71E5-AADF-3BF2-03BC9C6F23FC}"/>
+              </a:ext>
+            </a:extLst>
+          </p:cNvPr>
+          <p:cNvCxnSpPr>
+            <a:cxnSpLocks/>
+            <a:endCxn id="4" idx="2"/>
+          </p:cNvCxnSpPr>
+          <p:nvPr/>
+        </p:nvCxnSpPr>
+        <p:spPr>
+          <a:xfrm flipH="1">
+            <a:off x="5486400" y="1795182"/>
+            <a:ext cx="17930" cy="3402106"/>
+          </a:xfrm>
+          <a:prstGeom prst="line">
+            <a:avLst/>
+          </a:prstGeom>
+          <a:ln w="254000">
+            <a:solidFill>
+              <a:schemeClr val="tx1"/>
+            </a:solidFill>
+          </a:ln>
+        </p:spPr>
+        <p:style>
+          <a:lnRef idx="2">
+            <a:schemeClr val="accent1"/>
+          </a:lnRef>
+          <a:fillRef idx="0">
+            <a:schemeClr val="accent1"/>
+          </a:fillRef>
+          <a:effectRef idx="1">
+            <a:schemeClr val="accent1"/>
+          </a:effectRef>
+          <a:fontRef idx="minor">
+            <a:schemeClr val="tx1"/>
+          </a:fontRef>
+        </p:style>
+      </p:cxnSp>
+      <p:cxnSp>
+        <p:nvCxnSpPr>
+          <p:cNvPr id="8" name="Gerader Verbinder 7">
+            <a:extLst>
+              <a:ext uri="{FF2B5EF4-FFF2-40B4-BE49-F238E27FC236}">
+                <a16:creationId xmlns:a16="http://schemas.microsoft.com/office/drawing/2014/main" id="{96D45F34-DF37-1A0F-3A19-8F9A6E462503}"/>
+              </a:ext>
+            </a:extLst>
+          </p:cNvPr>
+          <p:cNvCxnSpPr>
+            <a:cxnSpLocks/>
+          </p:cNvCxnSpPr>
+          <p:nvPr/>
+        </p:nvCxnSpPr>
+        <p:spPr>
+          <a:xfrm flipH="1">
+            <a:off x="4121524" y="3039035"/>
+            <a:ext cx="1364876" cy="0"/>
+          </a:xfrm>
+          <a:prstGeom prst="line">
+            <a:avLst/>
+          </a:prstGeom>
+          <a:ln w="215900">
+            <a:solidFill>
+              <a:schemeClr val="tx1"/>
+            </a:solidFill>
+          </a:ln>
+        </p:spPr>
+        <p:style>
+          <a:lnRef idx="2">
+            <a:schemeClr val="accent1"/>
+          </a:lnRef>
+          <a:fillRef idx="0">
+            <a:schemeClr val="accent1"/>
+          </a:fillRef>
+          <a:effectRef idx="1">
+            <a:schemeClr val="accent1"/>
+          </a:effectRef>
+          <a:fontRef idx="minor">
+            <a:schemeClr val="tx1"/>
+          </a:fontRef>
+        </p:style>
+      </p:cxnSp>
+      <p:grpSp>
+        <p:nvGrpSpPr>
+          <p:cNvPr id="9" name="Gruppieren 8">
+            <a:extLst>
+              <a:ext uri="{FF2B5EF4-FFF2-40B4-BE49-F238E27FC236}">
+                <a16:creationId xmlns:a16="http://schemas.microsoft.com/office/drawing/2014/main" id="{F415E965-F16E-1AB5-0579-2CF7A836B079}"/>
+              </a:ext>
+            </a:extLst>
+          </p:cNvPr>
+          <p:cNvGrpSpPr/>
+          <p:nvPr/>
+        </p:nvGrpSpPr>
+        <p:grpSpPr>
+          <a:xfrm>
+            <a:off x="5725095" y="1993246"/>
+            <a:ext cx="705966" cy="840581"/>
+            <a:chOff x="7066431" y="1691525"/>
+            <a:chExt cx="705966" cy="840581"/>
+          </a:xfrm>
+        </p:grpSpPr>
+        <p:cxnSp>
+          <p:nvCxnSpPr>
+            <p:cNvPr id="11" name="Gerader Verbinder 10">
+              <a:extLst>
+                <a:ext uri="{FF2B5EF4-FFF2-40B4-BE49-F238E27FC236}">
+                  <a16:creationId xmlns:a16="http://schemas.microsoft.com/office/drawing/2014/main" id="{A701008D-360D-7BD5-43D6-C30805BFB1ED}"/>
+                </a:ext>
+              </a:extLst>
+            </p:cNvPr>
+            <p:cNvCxnSpPr>
+              <a:cxnSpLocks/>
+            </p:cNvCxnSpPr>
+            <p:nvPr/>
+          </p:nvCxnSpPr>
+          <p:spPr>
+            <a:xfrm flipV="1">
+              <a:off x="7066431" y="1691525"/>
+              <a:ext cx="598394" cy="761158"/>
+            </a:xfrm>
+            <a:prstGeom prst="line">
+              <a:avLst/>
+            </a:prstGeom>
+            <a:ln w="123825"/>
+          </p:spPr>
+          <p:style>
+            <a:lnRef idx="2">
+              <a:schemeClr val="accent1"/>
+            </a:lnRef>
+            <a:fillRef idx="0">
+              <a:schemeClr val="accent1"/>
+            </a:fillRef>
+            <a:effectRef idx="1">
+              <a:schemeClr val="accent1"/>
+            </a:effectRef>
+            <a:fontRef idx="minor">
+              <a:schemeClr val="tx1"/>
+            </a:fontRef>
+          </p:style>
+        </p:cxnSp>
+        <p:cxnSp>
+          <p:nvCxnSpPr>
+            <p:cNvPr id="13" name="Gerader Verbinder 12">
+              <a:extLst>
+                <a:ext uri="{FF2B5EF4-FFF2-40B4-BE49-F238E27FC236}">
+                  <a16:creationId xmlns:a16="http://schemas.microsoft.com/office/drawing/2014/main" id="{F588DE1F-F358-AEC1-80EC-02A3EE430FA7}"/>
+                </a:ext>
+              </a:extLst>
+            </p:cNvPr>
+            <p:cNvCxnSpPr>
+              <a:cxnSpLocks/>
+            </p:cNvCxnSpPr>
+            <p:nvPr/>
+          </p:nvCxnSpPr>
+          <p:spPr>
+            <a:xfrm flipV="1">
+              <a:off x="7429496" y="2088072"/>
+              <a:ext cx="342901" cy="444034"/>
+            </a:xfrm>
+            <a:prstGeom prst="line">
+              <a:avLst/>
+            </a:prstGeom>
+            <a:ln w="123825"/>
+          </p:spPr>
+          <p:style>
+            <a:lnRef idx="2">
+              <a:schemeClr val="accent1"/>
+            </a:lnRef>
+            <a:fillRef idx="0">
+              <a:schemeClr val="accent1"/>
+            </a:fillRef>
+            <a:effectRef idx="1">
+              <a:schemeClr val="accent1"/>
+            </a:effectRef>
+            <a:fontRef idx="minor">
+              <a:schemeClr val="tx1"/>
+            </a:fontRef>
+          </p:style>
+        </p:cxnSp>
+      </p:grpSp>
+      <p:grpSp>
+        <p:nvGrpSpPr>
+          <p:cNvPr id="14" name="Gruppieren 13">
+            <a:extLst>
+              <a:ext uri="{FF2B5EF4-FFF2-40B4-BE49-F238E27FC236}">
+                <a16:creationId xmlns:a16="http://schemas.microsoft.com/office/drawing/2014/main" id="{F0F3DB5C-E088-1F9E-CE74-D6EE0D9B2822}"/>
+              </a:ext>
+            </a:extLst>
+          </p:cNvPr>
+          <p:cNvGrpSpPr/>
+          <p:nvPr/>
+        </p:nvGrpSpPr>
+        <p:grpSpPr>
+          <a:xfrm>
+            <a:off x="4331084" y="3254118"/>
+            <a:ext cx="705966" cy="840581"/>
+            <a:chOff x="7066431" y="1691525"/>
+            <a:chExt cx="705966" cy="840581"/>
+          </a:xfrm>
+        </p:grpSpPr>
+        <p:cxnSp>
+          <p:nvCxnSpPr>
+            <p:cNvPr id="15" name="Gerader Verbinder 14">
+              <a:extLst>
+                <a:ext uri="{FF2B5EF4-FFF2-40B4-BE49-F238E27FC236}">
+                  <a16:creationId xmlns:a16="http://schemas.microsoft.com/office/drawing/2014/main" id="{D418716B-1CF2-9746-4B2F-B68AE1EC4A6C}"/>
+                </a:ext>
+              </a:extLst>
+            </p:cNvPr>
+            <p:cNvCxnSpPr>
+              <a:cxnSpLocks/>
+            </p:cNvCxnSpPr>
+            <p:nvPr/>
+          </p:nvCxnSpPr>
+          <p:spPr>
+            <a:xfrm flipV="1">
+              <a:off x="7066431" y="1691525"/>
+              <a:ext cx="598394" cy="761158"/>
+            </a:xfrm>
+            <a:prstGeom prst="line">
+              <a:avLst/>
+            </a:prstGeom>
+            <a:ln w="123825"/>
+          </p:spPr>
+          <p:style>
+            <a:lnRef idx="2">
+              <a:schemeClr val="accent1"/>
+            </a:lnRef>
+            <a:fillRef idx="0">
+              <a:schemeClr val="accent1"/>
+            </a:fillRef>
+            <a:effectRef idx="1">
+              <a:schemeClr val="accent1"/>
+            </a:effectRef>
+            <a:fontRef idx="minor">
+              <a:schemeClr val="tx1"/>
+            </a:fontRef>
+          </p:style>
+        </p:cxnSp>
+        <p:cxnSp>
+          <p:nvCxnSpPr>
+            <p:cNvPr id="16" name="Gerader Verbinder 15">
+              <a:extLst>
+                <a:ext uri="{FF2B5EF4-FFF2-40B4-BE49-F238E27FC236}">
+                  <a16:creationId xmlns:a16="http://schemas.microsoft.com/office/drawing/2014/main" id="{5C2B206E-5A31-A0C9-481C-3EC66EBBB095}"/>
+                </a:ext>
+              </a:extLst>
+            </p:cNvPr>
+            <p:cNvCxnSpPr>
+              <a:cxnSpLocks/>
+            </p:cNvCxnSpPr>
+            <p:nvPr/>
+          </p:nvCxnSpPr>
+          <p:spPr>
+            <a:xfrm flipV="1">
+              <a:off x="7429496" y="2088072"/>
+              <a:ext cx="342901" cy="444034"/>
+            </a:xfrm>
+            <a:prstGeom prst="line">
+              <a:avLst/>
+            </a:prstGeom>
+            <a:ln w="123825"/>
+          </p:spPr>
+          <p:style>
+            <a:lnRef idx="2">
+              <a:schemeClr val="accent1"/>
+            </a:lnRef>
+            <a:fillRef idx="0">
+              <a:schemeClr val="accent1"/>
+            </a:fillRef>
+            <a:effectRef idx="1">
+              <a:schemeClr val="accent1"/>
+            </a:effectRef>
+            <a:fontRef idx="minor">
+              <a:schemeClr val="tx1"/>
+            </a:fontRef>
+          </p:style>
+        </p:cxnSp>
+      </p:grpSp>
+      <p:grpSp>
+        <p:nvGrpSpPr>
+          <p:cNvPr id="17" name="Gruppieren 16">
+            <a:extLst>
+              <a:ext uri="{FF2B5EF4-FFF2-40B4-BE49-F238E27FC236}">
+                <a16:creationId xmlns:a16="http://schemas.microsoft.com/office/drawing/2014/main" id="{91399AC7-CB4B-6D7A-35E1-C18D53D6AAF8}"/>
+              </a:ext>
+            </a:extLst>
+          </p:cNvPr>
+          <p:cNvGrpSpPr/>
+          <p:nvPr/>
+        </p:nvGrpSpPr>
+        <p:grpSpPr>
+          <a:xfrm>
+            <a:off x="5706042" y="3237099"/>
+            <a:ext cx="705966" cy="840581"/>
+            <a:chOff x="7066431" y="1691525"/>
+            <a:chExt cx="705966" cy="840581"/>
+          </a:xfrm>
+        </p:grpSpPr>
+        <p:cxnSp>
+          <p:nvCxnSpPr>
+            <p:cNvPr id="18" name="Gerader Verbinder 17">
+              <a:extLst>
+                <a:ext uri="{FF2B5EF4-FFF2-40B4-BE49-F238E27FC236}">
+                  <a16:creationId xmlns:a16="http://schemas.microsoft.com/office/drawing/2014/main" id="{B634E47B-1DFA-2652-D6C1-84055A17E454}"/>
+                </a:ext>
+              </a:extLst>
+            </p:cNvPr>
+            <p:cNvCxnSpPr>
+              <a:cxnSpLocks/>
+            </p:cNvCxnSpPr>
+            <p:nvPr/>
+          </p:nvCxnSpPr>
+          <p:spPr>
+            <a:xfrm flipV="1">
+              <a:off x="7066431" y="1691525"/>
+              <a:ext cx="598394" cy="761158"/>
+            </a:xfrm>
+            <a:prstGeom prst="line">
+              <a:avLst/>
+            </a:prstGeom>
+            <a:ln w="123825"/>
+          </p:spPr>
+          <p:style>
+            <a:lnRef idx="2">
+              <a:schemeClr val="accent1"/>
+            </a:lnRef>
+            <a:fillRef idx="0">
+              <a:schemeClr val="accent1"/>
+            </a:fillRef>
+            <a:effectRef idx="1">
+              <a:schemeClr val="accent1"/>
+            </a:effectRef>
+            <a:fontRef idx="minor">
+              <a:schemeClr val="tx1"/>
+            </a:fontRef>
+          </p:style>
+        </p:cxnSp>
+        <p:cxnSp>
+          <p:nvCxnSpPr>
+            <p:cNvPr id="19" name="Gerader Verbinder 18">
+              <a:extLst>
+                <a:ext uri="{FF2B5EF4-FFF2-40B4-BE49-F238E27FC236}">
+                  <a16:creationId xmlns:a16="http://schemas.microsoft.com/office/drawing/2014/main" id="{29C69A9B-63D1-C762-64F5-9197BF312C63}"/>
+                </a:ext>
+              </a:extLst>
+            </p:cNvPr>
+            <p:cNvCxnSpPr>
+              <a:cxnSpLocks/>
+            </p:cNvCxnSpPr>
+            <p:nvPr/>
+          </p:nvCxnSpPr>
+          <p:spPr>
+            <a:xfrm flipV="1">
+              <a:off x="7429496" y="2088072"/>
+              <a:ext cx="342901" cy="444034"/>
+            </a:xfrm>
+            <a:prstGeom prst="line">
+              <a:avLst/>
+            </a:prstGeom>
+            <a:ln w="123825"/>
+          </p:spPr>
+          <p:style>
+            <a:lnRef idx="2">
+              <a:schemeClr val="accent1"/>
+            </a:lnRef>
+            <a:fillRef idx="0">
+              <a:schemeClr val="accent1"/>
+            </a:fillRef>
+            <a:effectRef idx="1">
+              <a:schemeClr val="accent1"/>
+            </a:effectRef>
+            <a:fontRef idx="minor">
+              <a:schemeClr val="tx1"/>
+            </a:fontRef>
+          </p:style>
+        </p:cxnSp>
+      </p:grpSp>
+    </p:spTree>
+    <p:extLst>
+      <p:ext uri="{BB962C8B-B14F-4D97-AF65-F5344CB8AC3E}">
+        <p14:creationId xmlns:p14="http://schemas.microsoft.com/office/powerpoint/2010/main" val="3347366608"/>
       </p:ext>
     </p:extLst>
   </p:cSld>

--- a/EnviroControl/Resources/icons/designer.pptx
+++ b/EnviroControl/Resources/icons/designer.pptx
@@ -106,6 +106,11 @@
       </a:defRPr>
     </a:lvl9pPr>
   </p:defaultTextStyle>
+  <p:extLst>
+    <p:ext uri="{EFAFB233-063F-42B5-8137-9DF3F51BA10A}">
+      <p15:sldGuideLst xmlns:p15="http://schemas.microsoft.com/office/powerpoint/2012/main"/>
+    </p:ext>
+  </p:extLst>
 </p:presentation>
 </file>
 
@@ -256,7 +261,7 @@
           <a:p>
             <a:fld id="{04D353CA-F39B-41B1-8016-75D78154E5B6}" type="datetimeFigureOut">
               <a:rPr lang="de-DE" smtClean="0"/>
-              <a:t>12.07.2025</a:t>
+              <a:t>27.07.2025</a:t>
             </a:fld>
             <a:endParaRPr lang="de-DE"/>
           </a:p>
@@ -454,7 +459,7 @@
           <a:p>
             <a:fld id="{04D353CA-F39B-41B1-8016-75D78154E5B6}" type="datetimeFigureOut">
               <a:rPr lang="de-DE" smtClean="0"/>
-              <a:t>12.07.2025</a:t>
+              <a:t>27.07.2025</a:t>
             </a:fld>
             <a:endParaRPr lang="de-DE"/>
           </a:p>
@@ -662,7 +667,7 @@
           <a:p>
             <a:fld id="{04D353CA-F39B-41B1-8016-75D78154E5B6}" type="datetimeFigureOut">
               <a:rPr lang="de-DE" smtClean="0"/>
-              <a:t>12.07.2025</a:t>
+              <a:t>27.07.2025</a:t>
             </a:fld>
             <a:endParaRPr lang="de-DE"/>
           </a:p>
@@ -860,7 +865,7 @@
           <a:p>
             <a:fld id="{04D353CA-F39B-41B1-8016-75D78154E5B6}" type="datetimeFigureOut">
               <a:rPr lang="de-DE" smtClean="0"/>
-              <a:t>12.07.2025</a:t>
+              <a:t>27.07.2025</a:t>
             </a:fld>
             <a:endParaRPr lang="de-DE"/>
           </a:p>
@@ -1135,7 +1140,7 @@
           <a:p>
             <a:fld id="{04D353CA-F39B-41B1-8016-75D78154E5B6}" type="datetimeFigureOut">
               <a:rPr lang="de-DE" smtClean="0"/>
-              <a:t>12.07.2025</a:t>
+              <a:t>27.07.2025</a:t>
             </a:fld>
             <a:endParaRPr lang="de-DE"/>
           </a:p>
@@ -1400,7 +1405,7 @@
           <a:p>
             <a:fld id="{04D353CA-F39B-41B1-8016-75D78154E5B6}" type="datetimeFigureOut">
               <a:rPr lang="de-DE" smtClean="0"/>
-              <a:t>12.07.2025</a:t>
+              <a:t>27.07.2025</a:t>
             </a:fld>
             <a:endParaRPr lang="de-DE"/>
           </a:p>
@@ -1812,7 +1817,7 @@
           <a:p>
             <a:fld id="{04D353CA-F39B-41B1-8016-75D78154E5B6}" type="datetimeFigureOut">
               <a:rPr lang="de-DE" smtClean="0"/>
-              <a:t>12.07.2025</a:t>
+              <a:t>27.07.2025</a:t>
             </a:fld>
             <a:endParaRPr lang="de-DE"/>
           </a:p>
@@ -1953,7 +1958,7 @@
           <a:p>
             <a:fld id="{04D353CA-F39B-41B1-8016-75D78154E5B6}" type="datetimeFigureOut">
               <a:rPr lang="de-DE" smtClean="0"/>
-              <a:t>12.07.2025</a:t>
+              <a:t>27.07.2025</a:t>
             </a:fld>
             <a:endParaRPr lang="de-DE"/>
           </a:p>
@@ -2066,7 +2071,7 @@
           <a:p>
             <a:fld id="{04D353CA-F39B-41B1-8016-75D78154E5B6}" type="datetimeFigureOut">
               <a:rPr lang="de-DE" smtClean="0"/>
-              <a:t>12.07.2025</a:t>
+              <a:t>27.07.2025</a:t>
             </a:fld>
             <a:endParaRPr lang="de-DE"/>
           </a:p>
@@ -2377,7 +2382,7 @@
           <a:p>
             <a:fld id="{04D353CA-F39B-41B1-8016-75D78154E5B6}" type="datetimeFigureOut">
               <a:rPr lang="de-DE" smtClean="0"/>
-              <a:t>12.07.2025</a:t>
+              <a:t>27.07.2025</a:t>
             </a:fld>
             <a:endParaRPr lang="de-DE"/>
           </a:p>
@@ -2665,7 +2670,7 @@
           <a:p>
             <a:fld id="{04D353CA-F39B-41B1-8016-75D78154E5B6}" type="datetimeFigureOut">
               <a:rPr lang="de-DE" smtClean="0"/>
-              <a:t>12.07.2025</a:t>
+              <a:t>27.07.2025</a:t>
             </a:fld>
             <a:endParaRPr lang="de-DE"/>
           </a:p>
@@ -2906,7 +2911,7 @@
           <a:p>
             <a:fld id="{04D353CA-F39B-41B1-8016-75D78154E5B6}" type="datetimeFigureOut">
               <a:rPr lang="de-DE" smtClean="0"/>
-              <a:t>12.07.2025</a:t>
+              <a:t>27.07.2025</a:t>
             </a:fld>
             <a:endParaRPr lang="de-DE"/>
           </a:p>
@@ -3587,6 +3592,137 @@
                 </a:rPr>
                 <a:t>?</a:t>
               </a:r>
+            </a:p>
+          </p:txBody>
+        </p:sp>
+      </p:grpSp>
+      <p:grpSp>
+        <p:nvGrpSpPr>
+          <p:cNvPr id="11" name="Gruppieren 10">
+            <a:extLst>
+              <a:ext uri="{FF2B5EF4-FFF2-40B4-BE49-F238E27FC236}">
+                <a16:creationId xmlns:a16="http://schemas.microsoft.com/office/drawing/2014/main" id="{ADEDDDE5-0154-749E-D61F-8F896838D9F1}"/>
+              </a:ext>
+            </a:extLst>
+          </p:cNvPr>
+          <p:cNvGrpSpPr/>
+          <p:nvPr/>
+        </p:nvGrpSpPr>
+        <p:grpSpPr>
+          <a:xfrm>
+            <a:off x="3852577" y="4515972"/>
+            <a:ext cx="551334" cy="544607"/>
+            <a:chOff x="3852577" y="4515972"/>
+            <a:chExt cx="551334" cy="544607"/>
+          </a:xfrm>
+        </p:grpSpPr>
+        <p:sp>
+          <p:nvSpPr>
+            <p:cNvPr id="2" name="Pfeil: nach rechts gekrümmt 1">
+              <a:extLst>
+                <a:ext uri="{FF2B5EF4-FFF2-40B4-BE49-F238E27FC236}">
+                  <a16:creationId xmlns:a16="http://schemas.microsoft.com/office/drawing/2014/main" id="{E809D281-2A0B-B427-4CFC-8B8915629940}"/>
+                </a:ext>
+              </a:extLst>
+            </p:cNvPr>
+            <p:cNvSpPr/>
+            <p:nvPr/>
+          </p:nvSpPr>
+          <p:spPr>
+            <a:xfrm rot="10800000">
+              <a:off x="4168588" y="4515972"/>
+              <a:ext cx="235323" cy="531158"/>
+            </a:xfrm>
+            <a:prstGeom prst="curvedRightArrow">
+              <a:avLst/>
+            </a:prstGeom>
+            <a:ln w="57150">
+              <a:solidFill>
+                <a:srgbClr val="0070C0"/>
+              </a:solidFill>
+            </a:ln>
+          </p:spPr>
+          <p:style>
+            <a:lnRef idx="2">
+              <a:schemeClr val="accent1">
+                <a:shade val="15000"/>
+              </a:schemeClr>
+            </a:lnRef>
+            <a:fillRef idx="1">
+              <a:schemeClr val="accent1"/>
+            </a:fillRef>
+            <a:effectRef idx="0">
+              <a:schemeClr val="accent1"/>
+            </a:effectRef>
+            <a:fontRef idx="minor">
+              <a:schemeClr val="lt1"/>
+            </a:fontRef>
+          </p:style>
+          <p:txBody>
+            <a:bodyPr rtlCol="0" anchor="ctr"/>
+            <a:lstStyle/>
+            <a:p>
+              <a:pPr algn="ctr"/>
+              <a:endParaRPr lang="de-DE">
+                <a:solidFill>
+                  <a:schemeClr val="tx1"/>
+                </a:solidFill>
+              </a:endParaRPr>
+            </a:p>
+          </p:txBody>
+        </p:sp>
+        <p:sp>
+          <p:nvSpPr>
+            <p:cNvPr id="10" name="Pfeil: nach rechts gekrümmt 9">
+              <a:extLst>
+                <a:ext uri="{FF2B5EF4-FFF2-40B4-BE49-F238E27FC236}">
+                  <a16:creationId xmlns:a16="http://schemas.microsoft.com/office/drawing/2014/main" id="{23574F98-F4FB-411E-52AE-FFCFF64365F6}"/>
+                </a:ext>
+              </a:extLst>
+            </p:cNvPr>
+            <p:cNvSpPr/>
+            <p:nvPr/>
+          </p:nvSpPr>
+          <p:spPr>
+            <a:xfrm>
+              <a:off x="3852577" y="4529421"/>
+              <a:ext cx="235323" cy="531158"/>
+            </a:xfrm>
+            <a:prstGeom prst="curvedRightArrow">
+              <a:avLst/>
+            </a:prstGeom>
+            <a:ln w="57150">
+              <a:solidFill>
+                <a:srgbClr val="0070C0"/>
+              </a:solidFill>
+            </a:ln>
+          </p:spPr>
+          <p:style>
+            <a:lnRef idx="2">
+              <a:schemeClr val="accent1">
+                <a:shade val="15000"/>
+              </a:schemeClr>
+            </a:lnRef>
+            <a:fillRef idx="1">
+              <a:schemeClr val="accent1"/>
+            </a:fillRef>
+            <a:effectRef idx="0">
+              <a:schemeClr val="accent1"/>
+            </a:effectRef>
+            <a:fontRef idx="minor">
+              <a:schemeClr val="lt1"/>
+            </a:fontRef>
+          </p:style>
+          <p:txBody>
+            <a:bodyPr rtlCol="0" anchor="ctr"/>
+            <a:lstStyle/>
+            <a:p>
+              <a:pPr algn="ctr"/>
+              <a:endParaRPr lang="de-DE">
+                <a:solidFill>
+                  <a:schemeClr val="tx1"/>
+                </a:solidFill>
+              </a:endParaRPr>
             </a:p>
           </p:txBody>
         </p:sp>

--- a/EnviroControl/Resources/icons/designer.pptx
+++ b/EnviroControl/Resources/icons/designer.pptx
@@ -261,7 +261,7 @@
           <a:p>
             <a:fld id="{04D353CA-F39B-41B1-8016-75D78154E5B6}" type="datetimeFigureOut">
               <a:rPr lang="de-DE" smtClean="0"/>
-              <a:t>27.07.2025</a:t>
+              <a:t>10.08.2025</a:t>
             </a:fld>
             <a:endParaRPr lang="de-DE"/>
           </a:p>
@@ -459,7 +459,7 @@
           <a:p>
             <a:fld id="{04D353CA-F39B-41B1-8016-75D78154E5B6}" type="datetimeFigureOut">
               <a:rPr lang="de-DE" smtClean="0"/>
-              <a:t>27.07.2025</a:t>
+              <a:t>10.08.2025</a:t>
             </a:fld>
             <a:endParaRPr lang="de-DE"/>
           </a:p>
@@ -667,7 +667,7 @@
           <a:p>
             <a:fld id="{04D353CA-F39B-41B1-8016-75D78154E5B6}" type="datetimeFigureOut">
               <a:rPr lang="de-DE" smtClean="0"/>
-              <a:t>27.07.2025</a:t>
+              <a:t>10.08.2025</a:t>
             </a:fld>
             <a:endParaRPr lang="de-DE"/>
           </a:p>
@@ -865,7 +865,7 @@
           <a:p>
             <a:fld id="{04D353CA-F39B-41B1-8016-75D78154E5B6}" type="datetimeFigureOut">
               <a:rPr lang="de-DE" smtClean="0"/>
-              <a:t>27.07.2025</a:t>
+              <a:t>10.08.2025</a:t>
             </a:fld>
             <a:endParaRPr lang="de-DE"/>
           </a:p>
@@ -1140,7 +1140,7 @@
           <a:p>
             <a:fld id="{04D353CA-F39B-41B1-8016-75D78154E5B6}" type="datetimeFigureOut">
               <a:rPr lang="de-DE" smtClean="0"/>
-              <a:t>27.07.2025</a:t>
+              <a:t>10.08.2025</a:t>
             </a:fld>
             <a:endParaRPr lang="de-DE"/>
           </a:p>
@@ -1405,7 +1405,7 @@
           <a:p>
             <a:fld id="{04D353CA-F39B-41B1-8016-75D78154E5B6}" type="datetimeFigureOut">
               <a:rPr lang="de-DE" smtClean="0"/>
-              <a:t>27.07.2025</a:t>
+              <a:t>10.08.2025</a:t>
             </a:fld>
             <a:endParaRPr lang="de-DE"/>
           </a:p>
@@ -1817,7 +1817,7 @@
           <a:p>
             <a:fld id="{04D353CA-F39B-41B1-8016-75D78154E5B6}" type="datetimeFigureOut">
               <a:rPr lang="de-DE" smtClean="0"/>
-              <a:t>27.07.2025</a:t>
+              <a:t>10.08.2025</a:t>
             </a:fld>
             <a:endParaRPr lang="de-DE"/>
           </a:p>
@@ -1958,7 +1958,7 @@
           <a:p>
             <a:fld id="{04D353CA-F39B-41B1-8016-75D78154E5B6}" type="datetimeFigureOut">
               <a:rPr lang="de-DE" smtClean="0"/>
-              <a:t>27.07.2025</a:t>
+              <a:t>10.08.2025</a:t>
             </a:fld>
             <a:endParaRPr lang="de-DE"/>
           </a:p>
@@ -2071,7 +2071,7 @@
           <a:p>
             <a:fld id="{04D353CA-F39B-41B1-8016-75D78154E5B6}" type="datetimeFigureOut">
               <a:rPr lang="de-DE" smtClean="0"/>
-              <a:t>27.07.2025</a:t>
+              <a:t>10.08.2025</a:t>
             </a:fld>
             <a:endParaRPr lang="de-DE"/>
           </a:p>
@@ -2382,7 +2382,7 @@
           <a:p>
             <a:fld id="{04D353CA-F39B-41B1-8016-75D78154E5B6}" type="datetimeFigureOut">
               <a:rPr lang="de-DE" smtClean="0"/>
-              <a:t>27.07.2025</a:t>
+              <a:t>10.08.2025</a:t>
             </a:fld>
             <a:endParaRPr lang="de-DE"/>
           </a:p>
@@ -2670,7 +2670,7 @@
           <a:p>
             <a:fld id="{04D353CA-F39B-41B1-8016-75D78154E5B6}" type="datetimeFigureOut">
               <a:rPr lang="de-DE" smtClean="0"/>
-              <a:t>27.07.2025</a:t>
+              <a:t>10.08.2025</a:t>
             </a:fld>
             <a:endParaRPr lang="de-DE"/>
           </a:p>
@@ -2911,7 +2911,7 @@
           <a:p>
             <a:fld id="{04D353CA-F39B-41B1-8016-75D78154E5B6}" type="datetimeFigureOut">
               <a:rPr lang="de-DE" smtClean="0"/>
-              <a:t>27.07.2025</a:t>
+              <a:t>10.08.2025</a:t>
             </a:fld>
             <a:endParaRPr lang="de-DE"/>
           </a:p>
@@ -3727,6 +3727,62 @@
           </p:txBody>
         </p:sp>
       </p:grpSp>
+      <p:sp>
+        <p:nvSpPr>
+          <p:cNvPr id="3" name="Multiplikationszeichen 2">
+            <a:extLst>
+              <a:ext uri="{FF2B5EF4-FFF2-40B4-BE49-F238E27FC236}">
+                <a16:creationId xmlns:a16="http://schemas.microsoft.com/office/drawing/2014/main" id="{E54FFD59-E21F-E1D8-1724-AEFC67C9D604}"/>
+              </a:ext>
+            </a:extLst>
+          </p:cNvPr>
+          <p:cNvSpPr>
+            <a:spLocks noChangeAspect="1"/>
+          </p:cNvSpPr>
+          <p:nvPr/>
+        </p:nvSpPr>
+        <p:spPr>
+          <a:xfrm>
+            <a:off x="8088406" y="2669241"/>
+            <a:ext cx="1284194" cy="1284194"/>
+          </a:xfrm>
+          <a:prstGeom prst="mathMultiply">
+            <a:avLst>
+              <a:gd name="adj1" fmla="val 13049"/>
+            </a:avLst>
+          </a:prstGeom>
+          <a:solidFill>
+            <a:srgbClr val="FF0000"/>
+          </a:solidFill>
+          <a:ln>
+            <a:noFill/>
+          </a:ln>
+        </p:spPr>
+        <p:style>
+          <a:lnRef idx="2">
+            <a:schemeClr val="accent1">
+              <a:shade val="15000"/>
+            </a:schemeClr>
+          </a:lnRef>
+          <a:fillRef idx="1">
+            <a:schemeClr val="accent1"/>
+          </a:fillRef>
+          <a:effectRef idx="0">
+            <a:schemeClr val="accent1"/>
+          </a:effectRef>
+          <a:fontRef idx="minor">
+            <a:schemeClr val="lt1"/>
+          </a:fontRef>
+        </p:style>
+        <p:txBody>
+          <a:bodyPr rtlCol="0" anchor="ctr"/>
+          <a:lstStyle/>
+          <a:p>
+            <a:pPr algn="ctr"/>
+            <a:endParaRPr lang="de-DE"/>
+          </a:p>
+        </p:txBody>
+      </p:sp>
     </p:spTree>
     <p:extLst>
       <p:ext uri="{BB962C8B-B14F-4D97-AF65-F5344CB8AC3E}">

--- a/EnviroControl/Resources/icons/designer.pptx
+++ b/EnviroControl/Resources/icons/designer.pptx
@@ -8,6 +8,7 @@
     <p:sldId id="256" r:id="rId2"/>
     <p:sldId id="257" r:id="rId3"/>
     <p:sldId id="258" r:id="rId4"/>
+    <p:sldId id="259" r:id="rId5"/>
   </p:sldIdLst>
   <p:sldSz cx="12192000" cy="6858000"/>
   <p:notesSz cx="6858000" cy="9144000"/>
@@ -261,7 +262,7 @@
           <a:p>
             <a:fld id="{04D353CA-F39B-41B1-8016-75D78154E5B6}" type="datetimeFigureOut">
               <a:rPr lang="de-DE" smtClean="0"/>
-              <a:t>10.08.2025</a:t>
+              <a:t>24.08.2025</a:t>
             </a:fld>
             <a:endParaRPr lang="de-DE"/>
           </a:p>
@@ -459,7 +460,7 @@
           <a:p>
             <a:fld id="{04D353CA-F39B-41B1-8016-75D78154E5B6}" type="datetimeFigureOut">
               <a:rPr lang="de-DE" smtClean="0"/>
-              <a:t>10.08.2025</a:t>
+              <a:t>24.08.2025</a:t>
             </a:fld>
             <a:endParaRPr lang="de-DE"/>
           </a:p>
@@ -667,7 +668,7 @@
           <a:p>
             <a:fld id="{04D353CA-F39B-41B1-8016-75D78154E5B6}" type="datetimeFigureOut">
               <a:rPr lang="de-DE" smtClean="0"/>
-              <a:t>10.08.2025</a:t>
+              <a:t>24.08.2025</a:t>
             </a:fld>
             <a:endParaRPr lang="de-DE"/>
           </a:p>
@@ -865,7 +866,7 @@
           <a:p>
             <a:fld id="{04D353CA-F39B-41B1-8016-75D78154E5B6}" type="datetimeFigureOut">
               <a:rPr lang="de-DE" smtClean="0"/>
-              <a:t>10.08.2025</a:t>
+              <a:t>24.08.2025</a:t>
             </a:fld>
             <a:endParaRPr lang="de-DE"/>
           </a:p>
@@ -1140,7 +1141,7 @@
           <a:p>
             <a:fld id="{04D353CA-F39B-41B1-8016-75D78154E5B6}" type="datetimeFigureOut">
               <a:rPr lang="de-DE" smtClean="0"/>
-              <a:t>10.08.2025</a:t>
+              <a:t>24.08.2025</a:t>
             </a:fld>
             <a:endParaRPr lang="de-DE"/>
           </a:p>
@@ -1405,7 +1406,7 @@
           <a:p>
             <a:fld id="{04D353CA-F39B-41B1-8016-75D78154E5B6}" type="datetimeFigureOut">
               <a:rPr lang="de-DE" smtClean="0"/>
-              <a:t>10.08.2025</a:t>
+              <a:t>24.08.2025</a:t>
             </a:fld>
             <a:endParaRPr lang="de-DE"/>
           </a:p>
@@ -1817,7 +1818,7 @@
           <a:p>
             <a:fld id="{04D353CA-F39B-41B1-8016-75D78154E5B6}" type="datetimeFigureOut">
               <a:rPr lang="de-DE" smtClean="0"/>
-              <a:t>10.08.2025</a:t>
+              <a:t>24.08.2025</a:t>
             </a:fld>
             <a:endParaRPr lang="de-DE"/>
           </a:p>
@@ -1958,7 +1959,7 @@
           <a:p>
             <a:fld id="{04D353CA-F39B-41B1-8016-75D78154E5B6}" type="datetimeFigureOut">
               <a:rPr lang="de-DE" smtClean="0"/>
-              <a:t>10.08.2025</a:t>
+              <a:t>24.08.2025</a:t>
             </a:fld>
             <a:endParaRPr lang="de-DE"/>
           </a:p>
@@ -2071,7 +2072,7 @@
           <a:p>
             <a:fld id="{04D353CA-F39B-41B1-8016-75D78154E5B6}" type="datetimeFigureOut">
               <a:rPr lang="de-DE" smtClean="0"/>
-              <a:t>10.08.2025</a:t>
+              <a:t>24.08.2025</a:t>
             </a:fld>
             <a:endParaRPr lang="de-DE"/>
           </a:p>
@@ -2382,7 +2383,7 @@
           <a:p>
             <a:fld id="{04D353CA-F39B-41B1-8016-75D78154E5B6}" type="datetimeFigureOut">
               <a:rPr lang="de-DE" smtClean="0"/>
-              <a:t>10.08.2025</a:t>
+              <a:t>24.08.2025</a:t>
             </a:fld>
             <a:endParaRPr lang="de-DE"/>
           </a:p>
@@ -2670,7 +2671,7 @@
           <a:p>
             <a:fld id="{04D353CA-F39B-41B1-8016-75D78154E5B6}" type="datetimeFigureOut">
               <a:rPr lang="de-DE" smtClean="0"/>
-              <a:t>10.08.2025</a:t>
+              <a:t>24.08.2025</a:t>
             </a:fld>
             <a:endParaRPr lang="de-DE"/>
           </a:p>
@@ -2911,7 +2912,7 @@
           <a:p>
             <a:fld id="{04D353CA-F39B-41B1-8016-75D78154E5B6}" type="datetimeFigureOut">
               <a:rPr lang="de-DE" smtClean="0"/>
-              <a:t>10.08.2025</a:t>
+              <a:t>24.08.2025</a:t>
             </a:fld>
             <a:endParaRPr lang="de-DE"/>
           </a:p>
@@ -5240,6 +5241,94 @@
     <p:extLst>
       <p:ext uri="{BB962C8B-B14F-4D97-AF65-F5344CB8AC3E}">
         <p14:creationId xmlns:p14="http://schemas.microsoft.com/office/powerpoint/2010/main" val="3347366608"/>
+      </p:ext>
+    </p:extLst>
+  </p:cSld>
+  <p:clrMapOvr>
+    <a:masterClrMapping/>
+  </p:clrMapOvr>
+</p:sld>
+</file>
+
+<file path=ppt/slides/slide4.xml><?xml version="1.0" encoding="utf-8"?>
+<p:sld xmlns:a="http://schemas.openxmlformats.org/drawingml/2006/main" xmlns:r="http://schemas.openxmlformats.org/officeDocument/2006/relationships" xmlns:p="http://schemas.openxmlformats.org/presentationml/2006/main">
+  <p:cSld>
+    <p:spTree>
+      <p:nvGrpSpPr>
+        <p:cNvPr id="1" name="">
+          <a:extLst>
+            <a:ext uri="{FF2B5EF4-FFF2-40B4-BE49-F238E27FC236}">
+              <a16:creationId xmlns:a16="http://schemas.microsoft.com/office/drawing/2014/main" id="{08E531C8-D3FB-ED48-83CB-06D015D84607}"/>
+            </a:ext>
+          </a:extLst>
+        </p:cNvPr>
+        <p:cNvGrpSpPr/>
+        <p:nvPr/>
+      </p:nvGrpSpPr>
+      <p:grpSpPr>
+        <a:xfrm>
+          <a:off x="0" y="0"/>
+          <a:ext cx="0" cy="0"/>
+          <a:chOff x="0" y="0"/>
+          <a:chExt cx="0" cy="0"/>
+        </a:xfrm>
+      </p:grpSpPr>
+      <p:sp>
+        <p:nvSpPr>
+          <p:cNvPr id="3" name="Rechteck: abgerundete Ecken 2">
+            <a:extLst>
+              <a:ext uri="{FF2B5EF4-FFF2-40B4-BE49-F238E27FC236}">
+                <a16:creationId xmlns:a16="http://schemas.microsoft.com/office/drawing/2014/main" id="{6DBA2075-A98F-4C02-516E-A2FA2670B45B}"/>
+              </a:ext>
+            </a:extLst>
+          </p:cNvPr>
+          <p:cNvSpPr/>
+          <p:nvPr/>
+        </p:nvSpPr>
+        <p:spPr>
+          <a:xfrm>
+            <a:off x="3045759" y="1028701"/>
+            <a:ext cx="1264023" cy="4545106"/>
+          </a:xfrm>
+          <a:prstGeom prst="roundRect">
+            <a:avLst/>
+          </a:prstGeom>
+          <a:noFill/>
+          <a:ln w="127000">
+            <a:solidFill>
+              <a:schemeClr val="tx1"/>
+            </a:solidFill>
+          </a:ln>
+        </p:spPr>
+        <p:style>
+          <a:lnRef idx="2">
+            <a:schemeClr val="accent1">
+              <a:shade val="15000"/>
+            </a:schemeClr>
+          </a:lnRef>
+          <a:fillRef idx="1">
+            <a:schemeClr val="accent1"/>
+          </a:fillRef>
+          <a:effectRef idx="0">
+            <a:schemeClr val="accent1"/>
+          </a:effectRef>
+          <a:fontRef idx="minor">
+            <a:schemeClr val="lt1"/>
+          </a:fontRef>
+        </p:style>
+        <p:txBody>
+          <a:bodyPr rtlCol="0" anchor="ctr"/>
+          <a:lstStyle/>
+          <a:p>
+            <a:pPr algn="ctr"/>
+            <a:endParaRPr lang="de-DE"/>
+          </a:p>
+        </p:txBody>
+      </p:sp>
+    </p:spTree>
+    <p:extLst>
+      <p:ext uri="{BB962C8B-B14F-4D97-AF65-F5344CB8AC3E}">
+        <p14:creationId xmlns:p14="http://schemas.microsoft.com/office/powerpoint/2010/main" val="3833247358"/>
       </p:ext>
     </p:extLst>
   </p:cSld>

--- a/EnviroControl/Resources/icons/designer.pptx
+++ b/EnviroControl/Resources/icons/designer.pptx
@@ -5275,25 +5275,29 @@
       </p:grpSpPr>
       <p:sp>
         <p:nvSpPr>
-          <p:cNvPr id="3" name="Rechteck: abgerundete Ecken 2">
-            <a:extLst>
-              <a:ext uri="{FF2B5EF4-FFF2-40B4-BE49-F238E27FC236}">
-                <a16:creationId xmlns:a16="http://schemas.microsoft.com/office/drawing/2014/main" id="{6DBA2075-A98F-4C02-516E-A2FA2670B45B}"/>
-              </a:ext>
-            </a:extLst>
-          </p:cNvPr>
-          <p:cNvSpPr/>
+          <p:cNvPr id="12" name="Bogen 11">
+            <a:extLst>
+              <a:ext uri="{FF2B5EF4-FFF2-40B4-BE49-F238E27FC236}">
+                <a16:creationId xmlns:a16="http://schemas.microsoft.com/office/drawing/2014/main" id="{38CE13D6-7AEC-0F0A-007E-6FEF9A485E29}"/>
+              </a:ext>
+            </a:extLst>
+          </p:cNvPr>
+          <p:cNvSpPr>
+            <a:spLocks noChangeAspect="1"/>
+          </p:cNvSpPr>
           <p:nvPr/>
         </p:nvSpPr>
         <p:spPr>
           <a:xfrm>
-            <a:off x="3045759" y="1028701"/>
-            <a:ext cx="1264023" cy="4545106"/>
+            <a:off x="2223805" y="4290834"/>
+            <a:ext cx="1360273" cy="1360273"/>
           </a:xfrm>
-          <a:prstGeom prst="roundRect">
-            <a:avLst/>
+          <a:prstGeom prst="arc">
+            <a:avLst>
+              <a:gd name="adj1" fmla="val 18125676"/>
+              <a:gd name="adj2" fmla="val 14042561"/>
+            </a:avLst>
           </a:prstGeom>
-          <a:noFill/>
           <a:ln w="127000">
             <a:solidFill>
               <a:schemeClr val="tx1"/>
@@ -5302,18 +5306,16 @@
         </p:spPr>
         <p:style>
           <a:lnRef idx="2">
-            <a:schemeClr val="accent1">
-              <a:shade val="15000"/>
-            </a:schemeClr>
+            <a:schemeClr val="accent1"/>
           </a:lnRef>
-          <a:fillRef idx="1">
+          <a:fillRef idx="0">
             <a:schemeClr val="accent1"/>
           </a:fillRef>
-          <a:effectRef idx="0">
+          <a:effectRef idx="1">
             <a:schemeClr val="accent1"/>
           </a:effectRef>
           <a:fontRef idx="minor">
-            <a:schemeClr val="lt1"/>
+            <a:schemeClr val="tx1"/>
           </a:fontRef>
         </p:style>
         <p:txBody>
@@ -5325,6 +5327,459 @@
           </a:p>
         </p:txBody>
       </p:sp>
+      <p:cxnSp>
+        <p:nvCxnSpPr>
+          <p:cNvPr id="21" name="Gerader Verbinder 20">
+            <a:extLst>
+              <a:ext uri="{FF2B5EF4-FFF2-40B4-BE49-F238E27FC236}">
+                <a16:creationId xmlns:a16="http://schemas.microsoft.com/office/drawing/2014/main" id="{DBB66054-0065-D172-0069-33293221748F}"/>
+              </a:ext>
+            </a:extLst>
+          </p:cNvPr>
+          <p:cNvCxnSpPr>
+            <a:cxnSpLocks/>
+            <a:stCxn id="24" idx="0"/>
+          </p:cNvCxnSpPr>
+          <p:nvPr/>
+        </p:nvCxnSpPr>
+        <p:spPr>
+          <a:xfrm>
+            <a:off x="2487770" y="971571"/>
+            <a:ext cx="0" cy="3486129"/>
+          </a:xfrm>
+          <a:prstGeom prst="line">
+            <a:avLst/>
+          </a:prstGeom>
+          <a:ln w="127000">
+            <a:solidFill>
+              <a:schemeClr val="tx1"/>
+            </a:solidFill>
+          </a:ln>
+        </p:spPr>
+        <p:style>
+          <a:lnRef idx="2">
+            <a:schemeClr val="accent1"/>
+          </a:lnRef>
+          <a:fillRef idx="0">
+            <a:schemeClr val="accent1"/>
+          </a:fillRef>
+          <a:effectRef idx="1">
+            <a:schemeClr val="accent1"/>
+          </a:effectRef>
+          <a:fontRef idx="minor">
+            <a:schemeClr val="tx1"/>
+          </a:fontRef>
+        </p:style>
+      </p:cxnSp>
+      <p:sp>
+        <p:nvSpPr>
+          <p:cNvPr id="24" name="Bogen 23">
+            <a:extLst>
+              <a:ext uri="{FF2B5EF4-FFF2-40B4-BE49-F238E27FC236}">
+                <a16:creationId xmlns:a16="http://schemas.microsoft.com/office/drawing/2014/main" id="{58781BB6-2D36-8974-8A14-9620F5B0C56F}"/>
+              </a:ext>
+            </a:extLst>
+          </p:cNvPr>
+          <p:cNvSpPr>
+            <a:spLocks noChangeAspect="1"/>
+          </p:cNvSpPr>
+          <p:nvPr/>
+        </p:nvSpPr>
+        <p:spPr>
+          <a:xfrm>
+            <a:off x="2487705" y="737345"/>
+            <a:ext cx="479611" cy="479611"/>
+          </a:xfrm>
+          <a:prstGeom prst="arc">
+            <a:avLst>
+              <a:gd name="adj1" fmla="val 10879999"/>
+              <a:gd name="adj2" fmla="val 16214288"/>
+            </a:avLst>
+          </a:prstGeom>
+          <a:ln w="127000">
+            <a:solidFill>
+              <a:schemeClr val="tx1"/>
+            </a:solidFill>
+          </a:ln>
+        </p:spPr>
+        <p:style>
+          <a:lnRef idx="2">
+            <a:schemeClr val="accent1"/>
+          </a:lnRef>
+          <a:fillRef idx="0">
+            <a:schemeClr val="accent1"/>
+          </a:fillRef>
+          <a:effectRef idx="1">
+            <a:schemeClr val="accent1"/>
+          </a:effectRef>
+          <a:fontRef idx="minor">
+            <a:schemeClr val="tx1"/>
+          </a:fontRef>
+        </p:style>
+        <p:txBody>
+          <a:bodyPr rtlCol="0" anchor="ctr"/>
+          <a:lstStyle/>
+          <a:p>
+            <a:pPr algn="ctr"/>
+            <a:endParaRPr lang="de-DE"/>
+          </a:p>
+        </p:txBody>
+      </p:sp>
+      <p:cxnSp>
+        <p:nvCxnSpPr>
+          <p:cNvPr id="26" name="Gerader Verbinder 25">
+            <a:extLst>
+              <a:ext uri="{FF2B5EF4-FFF2-40B4-BE49-F238E27FC236}">
+                <a16:creationId xmlns:a16="http://schemas.microsoft.com/office/drawing/2014/main" id="{F4FD15D2-97C7-54EE-2D43-8CCF7EC54047}"/>
+              </a:ext>
+            </a:extLst>
+          </p:cNvPr>
+          <p:cNvCxnSpPr>
+            <a:cxnSpLocks/>
+          </p:cNvCxnSpPr>
+          <p:nvPr/>
+        </p:nvCxnSpPr>
+        <p:spPr>
+          <a:xfrm flipV="1">
+            <a:off x="2721783" y="737345"/>
+            <a:ext cx="337422" cy="2"/>
+          </a:xfrm>
+          <a:prstGeom prst="line">
+            <a:avLst/>
+          </a:prstGeom>
+          <a:ln w="127000">
+            <a:solidFill>
+              <a:schemeClr val="tx1"/>
+            </a:solidFill>
+          </a:ln>
+        </p:spPr>
+        <p:style>
+          <a:lnRef idx="2">
+            <a:schemeClr val="accent1"/>
+          </a:lnRef>
+          <a:fillRef idx="0">
+            <a:schemeClr val="accent1"/>
+          </a:fillRef>
+          <a:effectRef idx="1">
+            <a:schemeClr val="accent1"/>
+          </a:effectRef>
+          <a:fontRef idx="minor">
+            <a:schemeClr val="tx1"/>
+          </a:fontRef>
+        </p:style>
+      </p:cxnSp>
+      <p:sp>
+        <p:nvSpPr>
+          <p:cNvPr id="31" name="Bogen 30">
+            <a:extLst>
+              <a:ext uri="{FF2B5EF4-FFF2-40B4-BE49-F238E27FC236}">
+                <a16:creationId xmlns:a16="http://schemas.microsoft.com/office/drawing/2014/main" id="{154DF50F-7426-E1C9-06A8-26E83AD6DF19}"/>
+              </a:ext>
+            </a:extLst>
+          </p:cNvPr>
+          <p:cNvSpPr>
+            <a:spLocks noChangeAspect="1"/>
+          </p:cNvSpPr>
+          <p:nvPr/>
+        </p:nvSpPr>
+        <p:spPr>
+          <a:xfrm flipH="1">
+            <a:off x="2819399" y="737345"/>
+            <a:ext cx="479611" cy="479611"/>
+          </a:xfrm>
+          <a:prstGeom prst="arc">
+            <a:avLst>
+              <a:gd name="adj1" fmla="val 10879999"/>
+              <a:gd name="adj2" fmla="val 16214288"/>
+            </a:avLst>
+          </a:prstGeom>
+          <a:ln w="127000">
+            <a:solidFill>
+              <a:schemeClr val="tx1"/>
+            </a:solidFill>
+          </a:ln>
+        </p:spPr>
+        <p:style>
+          <a:lnRef idx="2">
+            <a:schemeClr val="accent1"/>
+          </a:lnRef>
+          <a:fillRef idx="0">
+            <a:schemeClr val="accent1"/>
+          </a:fillRef>
+          <a:effectRef idx="1">
+            <a:schemeClr val="accent1"/>
+          </a:effectRef>
+          <a:fontRef idx="minor">
+            <a:schemeClr val="tx1"/>
+          </a:fontRef>
+        </p:style>
+        <p:txBody>
+          <a:bodyPr rtlCol="0" anchor="ctr"/>
+          <a:lstStyle/>
+          <a:p>
+            <a:pPr algn="ctr"/>
+            <a:endParaRPr lang="de-DE"/>
+          </a:p>
+        </p:txBody>
+      </p:sp>
+      <p:cxnSp>
+        <p:nvCxnSpPr>
+          <p:cNvPr id="32" name="Gerader Verbinder 31">
+            <a:extLst>
+              <a:ext uri="{FF2B5EF4-FFF2-40B4-BE49-F238E27FC236}">
+                <a16:creationId xmlns:a16="http://schemas.microsoft.com/office/drawing/2014/main" id="{F71BC069-2F31-2B51-86B2-52D260D11050}"/>
+              </a:ext>
+            </a:extLst>
+          </p:cNvPr>
+          <p:cNvCxnSpPr>
+            <a:cxnSpLocks/>
+          </p:cNvCxnSpPr>
+          <p:nvPr/>
+        </p:nvCxnSpPr>
+        <p:spPr>
+          <a:xfrm>
+            <a:off x="3298945" y="964847"/>
+            <a:ext cx="0" cy="3492853"/>
+          </a:xfrm>
+          <a:prstGeom prst="line">
+            <a:avLst/>
+          </a:prstGeom>
+          <a:ln w="127000">
+            <a:solidFill>
+              <a:schemeClr val="tx1"/>
+            </a:solidFill>
+          </a:ln>
+        </p:spPr>
+        <p:style>
+          <a:lnRef idx="2">
+            <a:schemeClr val="accent1"/>
+          </a:lnRef>
+          <a:fillRef idx="0">
+            <a:schemeClr val="accent1"/>
+          </a:fillRef>
+          <a:effectRef idx="1">
+            <a:schemeClr val="accent1"/>
+          </a:effectRef>
+          <a:fontRef idx="minor">
+            <a:schemeClr val="tx1"/>
+          </a:fontRef>
+        </p:style>
+      </p:cxnSp>
+      <p:cxnSp>
+        <p:nvCxnSpPr>
+          <p:cNvPr id="41" name="Gerader Verbinder 40">
+            <a:extLst>
+              <a:ext uri="{FF2B5EF4-FFF2-40B4-BE49-F238E27FC236}">
+                <a16:creationId xmlns:a16="http://schemas.microsoft.com/office/drawing/2014/main" id="{07390AE4-9E69-4A8A-66E4-BE03BA8FA2F5}"/>
+              </a:ext>
+            </a:extLst>
+          </p:cNvPr>
+          <p:cNvCxnSpPr>
+            <a:cxnSpLocks/>
+          </p:cNvCxnSpPr>
+          <p:nvPr/>
+        </p:nvCxnSpPr>
+        <p:spPr>
+          <a:xfrm flipV="1">
+            <a:off x="2109939" y="4224616"/>
+            <a:ext cx="337422" cy="2"/>
+          </a:xfrm>
+          <a:prstGeom prst="line">
+            <a:avLst/>
+          </a:prstGeom>
+          <a:ln w="101600">
+            <a:solidFill>
+              <a:schemeClr val="tx1"/>
+            </a:solidFill>
+          </a:ln>
+        </p:spPr>
+        <p:style>
+          <a:lnRef idx="2">
+            <a:schemeClr val="accent1"/>
+          </a:lnRef>
+          <a:fillRef idx="0">
+            <a:schemeClr val="accent1"/>
+          </a:fillRef>
+          <a:effectRef idx="1">
+            <a:schemeClr val="accent1"/>
+          </a:effectRef>
+          <a:fontRef idx="minor">
+            <a:schemeClr val="tx1"/>
+          </a:fontRef>
+        </p:style>
+      </p:cxnSp>
+      <p:cxnSp>
+        <p:nvCxnSpPr>
+          <p:cNvPr id="42" name="Gerader Verbinder 41">
+            <a:extLst>
+              <a:ext uri="{FF2B5EF4-FFF2-40B4-BE49-F238E27FC236}">
+                <a16:creationId xmlns:a16="http://schemas.microsoft.com/office/drawing/2014/main" id="{054B2D0C-C096-6FD7-CEAE-BE77212F711A}"/>
+              </a:ext>
+            </a:extLst>
+          </p:cNvPr>
+          <p:cNvCxnSpPr>
+            <a:cxnSpLocks/>
+          </p:cNvCxnSpPr>
+          <p:nvPr/>
+        </p:nvCxnSpPr>
+        <p:spPr>
+          <a:xfrm flipV="1">
+            <a:off x="2150283" y="1032087"/>
+            <a:ext cx="337422" cy="2"/>
+          </a:xfrm>
+          <a:prstGeom prst="line">
+            <a:avLst/>
+          </a:prstGeom>
+          <a:ln w="101600">
+            <a:solidFill>
+              <a:schemeClr val="tx1"/>
+            </a:solidFill>
+          </a:ln>
+        </p:spPr>
+        <p:style>
+          <a:lnRef idx="2">
+            <a:schemeClr val="accent1"/>
+          </a:lnRef>
+          <a:fillRef idx="0">
+            <a:schemeClr val="accent1"/>
+          </a:fillRef>
+          <a:effectRef idx="1">
+            <a:schemeClr val="accent1"/>
+          </a:effectRef>
+          <a:fontRef idx="minor">
+            <a:schemeClr val="tx1"/>
+          </a:fontRef>
+        </p:style>
+      </p:cxnSp>
+      <p:cxnSp>
+        <p:nvCxnSpPr>
+          <p:cNvPr id="43" name="Gerader Verbinder 42">
+            <a:extLst>
+              <a:ext uri="{FF2B5EF4-FFF2-40B4-BE49-F238E27FC236}">
+                <a16:creationId xmlns:a16="http://schemas.microsoft.com/office/drawing/2014/main" id="{D0C6CF81-078B-7567-2ACC-2EF4C1D38BB7}"/>
+              </a:ext>
+            </a:extLst>
+          </p:cNvPr>
+          <p:cNvCxnSpPr>
+            <a:cxnSpLocks/>
+          </p:cNvCxnSpPr>
+          <p:nvPr/>
+        </p:nvCxnSpPr>
+        <p:spPr>
+          <a:xfrm flipV="1">
+            <a:off x="2110753" y="2627840"/>
+            <a:ext cx="337422" cy="2"/>
+          </a:xfrm>
+          <a:prstGeom prst="line">
+            <a:avLst/>
+          </a:prstGeom>
+          <a:ln w="101600">
+            <a:solidFill>
+              <a:schemeClr val="tx1"/>
+            </a:solidFill>
+          </a:ln>
+        </p:spPr>
+        <p:style>
+          <a:lnRef idx="2">
+            <a:schemeClr val="accent1"/>
+          </a:lnRef>
+          <a:fillRef idx="0">
+            <a:schemeClr val="accent1"/>
+          </a:fillRef>
+          <a:effectRef idx="1">
+            <a:schemeClr val="accent1"/>
+          </a:effectRef>
+          <a:fontRef idx="minor">
+            <a:schemeClr val="tx1"/>
+          </a:fontRef>
+        </p:style>
+      </p:cxnSp>
+      <p:cxnSp>
+        <p:nvCxnSpPr>
+          <p:cNvPr id="44" name="Gerader Verbinder 43">
+            <a:extLst>
+              <a:ext uri="{FF2B5EF4-FFF2-40B4-BE49-F238E27FC236}">
+                <a16:creationId xmlns:a16="http://schemas.microsoft.com/office/drawing/2014/main" id="{0A5BB4E2-E44B-4999-4436-72183666673C}"/>
+              </a:ext>
+            </a:extLst>
+          </p:cNvPr>
+          <p:cNvCxnSpPr>
+            <a:cxnSpLocks/>
+          </p:cNvCxnSpPr>
+          <p:nvPr/>
+        </p:nvCxnSpPr>
+        <p:spPr>
+          <a:xfrm flipV="1">
+            <a:off x="2124204" y="3405543"/>
+            <a:ext cx="337422" cy="2"/>
+          </a:xfrm>
+          <a:prstGeom prst="line">
+            <a:avLst/>
+          </a:prstGeom>
+          <a:ln w="101600">
+            <a:solidFill>
+              <a:schemeClr val="tx1"/>
+            </a:solidFill>
+          </a:ln>
+        </p:spPr>
+        <p:style>
+          <a:lnRef idx="2">
+            <a:schemeClr val="accent1"/>
+          </a:lnRef>
+          <a:fillRef idx="0">
+            <a:schemeClr val="accent1"/>
+          </a:fillRef>
+          <a:effectRef idx="1">
+            <a:schemeClr val="accent1"/>
+          </a:effectRef>
+          <a:fontRef idx="minor">
+            <a:schemeClr val="tx1"/>
+          </a:fontRef>
+        </p:style>
+      </p:cxnSp>
+      <p:cxnSp>
+        <p:nvCxnSpPr>
+          <p:cNvPr id="45" name="Gerader Verbinder 44">
+            <a:extLst>
+              <a:ext uri="{FF2B5EF4-FFF2-40B4-BE49-F238E27FC236}">
+                <a16:creationId xmlns:a16="http://schemas.microsoft.com/office/drawing/2014/main" id="{5B9B835A-1378-5DE3-6B7D-84F5EEF33CE4}"/>
+              </a:ext>
+            </a:extLst>
+          </p:cNvPr>
+          <p:cNvCxnSpPr>
+            <a:cxnSpLocks/>
+          </p:cNvCxnSpPr>
+          <p:nvPr/>
+        </p:nvCxnSpPr>
+        <p:spPr>
+          <a:xfrm flipV="1">
+            <a:off x="2124204" y="1810303"/>
+            <a:ext cx="337422" cy="2"/>
+          </a:xfrm>
+          <a:prstGeom prst="line">
+            <a:avLst/>
+          </a:prstGeom>
+          <a:ln w="101600">
+            <a:solidFill>
+              <a:schemeClr val="tx1"/>
+            </a:solidFill>
+          </a:ln>
+        </p:spPr>
+        <p:style>
+          <a:lnRef idx="2">
+            <a:schemeClr val="accent1"/>
+          </a:lnRef>
+          <a:fillRef idx="0">
+            <a:schemeClr val="accent1"/>
+          </a:fillRef>
+          <a:effectRef idx="1">
+            <a:schemeClr val="accent1"/>
+          </a:effectRef>
+          <a:fontRef idx="minor">
+            <a:schemeClr val="tx1"/>
+          </a:fontRef>
+        </p:style>
+      </p:cxnSp>
     </p:spTree>
     <p:extLst>
       <p:ext uri="{BB962C8B-B14F-4D97-AF65-F5344CB8AC3E}">

--- a/EnviroControl/Resources/icons/designer.pptx
+++ b/EnviroControl/Resources/icons/designer.pptx
@@ -5273,513 +5273,534 @@
           <a:chExt cx="0" cy="0"/>
         </a:xfrm>
       </p:grpSpPr>
-      <p:sp>
-        <p:nvSpPr>
-          <p:cNvPr id="12" name="Bogen 11">
-            <a:extLst>
-              <a:ext uri="{FF2B5EF4-FFF2-40B4-BE49-F238E27FC236}">
-                <a16:creationId xmlns:a16="http://schemas.microsoft.com/office/drawing/2014/main" id="{38CE13D6-7AEC-0F0A-007E-6FEF9A485E29}"/>
-              </a:ext>
-            </a:extLst>
-          </p:cNvPr>
-          <p:cNvSpPr>
-            <a:spLocks noChangeAspect="1"/>
-          </p:cNvSpPr>
+      <p:grpSp>
+        <p:nvGrpSpPr>
+          <p:cNvPr id="46" name="Gruppieren 45">
+            <a:extLst>
+              <a:ext uri="{FF2B5EF4-FFF2-40B4-BE49-F238E27FC236}">
+                <a16:creationId xmlns:a16="http://schemas.microsoft.com/office/drawing/2014/main" id="{8CDF1625-48C1-6650-D9FB-153FF271F0F2}"/>
+              </a:ext>
+            </a:extLst>
+          </p:cNvPr>
+          <p:cNvGrpSpPr/>
           <p:nvPr/>
-        </p:nvSpPr>
-        <p:spPr>
+        </p:nvGrpSpPr>
+        <p:grpSpPr>
           <a:xfrm>
-            <a:off x="2223805" y="4290834"/>
-            <a:ext cx="1360273" cy="1360273"/>
+            <a:off x="2109939" y="737345"/>
+            <a:ext cx="1487587" cy="4920486"/>
+            <a:chOff x="2109939" y="737345"/>
+            <a:chExt cx="1487587" cy="4920486"/>
           </a:xfrm>
-          <a:prstGeom prst="arc">
-            <a:avLst>
-              <a:gd name="adj1" fmla="val 18125676"/>
-              <a:gd name="adj2" fmla="val 14042561"/>
-            </a:avLst>
-          </a:prstGeom>
-          <a:ln w="127000">
-            <a:solidFill>
+        </p:grpSpPr>
+        <p:sp>
+          <p:nvSpPr>
+            <p:cNvPr id="12" name="Bogen 11">
+              <a:extLst>
+                <a:ext uri="{FF2B5EF4-FFF2-40B4-BE49-F238E27FC236}">
+                  <a16:creationId xmlns:a16="http://schemas.microsoft.com/office/drawing/2014/main" id="{38CE13D6-7AEC-0F0A-007E-6FEF9A485E29}"/>
+                </a:ext>
+              </a:extLst>
+            </p:cNvPr>
+            <p:cNvSpPr>
+              <a:spLocks noChangeAspect="1"/>
+            </p:cNvSpPr>
+            <p:nvPr/>
+          </p:nvSpPr>
+          <p:spPr>
+            <a:xfrm>
+              <a:off x="2237253" y="4297558"/>
+              <a:ext cx="1360273" cy="1360273"/>
+            </a:xfrm>
+            <a:prstGeom prst="arc">
+              <a:avLst>
+                <a:gd name="adj1" fmla="val 18125676"/>
+                <a:gd name="adj2" fmla="val 14042561"/>
+              </a:avLst>
+            </a:prstGeom>
+            <a:ln w="127000">
+              <a:solidFill>
+                <a:schemeClr val="tx1"/>
+              </a:solidFill>
+            </a:ln>
+          </p:spPr>
+          <p:style>
+            <a:lnRef idx="2">
+              <a:schemeClr val="accent1"/>
+            </a:lnRef>
+            <a:fillRef idx="0">
+              <a:schemeClr val="accent1"/>
+            </a:fillRef>
+            <a:effectRef idx="1">
+              <a:schemeClr val="accent1"/>
+            </a:effectRef>
+            <a:fontRef idx="minor">
               <a:schemeClr val="tx1"/>
-            </a:solidFill>
-          </a:ln>
-        </p:spPr>
-        <p:style>
-          <a:lnRef idx="2">
-            <a:schemeClr val="accent1"/>
-          </a:lnRef>
-          <a:fillRef idx="0">
-            <a:schemeClr val="accent1"/>
-          </a:fillRef>
-          <a:effectRef idx="1">
-            <a:schemeClr val="accent1"/>
-          </a:effectRef>
-          <a:fontRef idx="minor">
-            <a:schemeClr val="tx1"/>
-          </a:fontRef>
-        </p:style>
-        <p:txBody>
-          <a:bodyPr rtlCol="0" anchor="ctr"/>
-          <a:lstStyle/>
-          <a:p>
-            <a:pPr algn="ctr"/>
-            <a:endParaRPr lang="de-DE"/>
-          </a:p>
-        </p:txBody>
-      </p:sp>
-      <p:cxnSp>
-        <p:nvCxnSpPr>
-          <p:cNvPr id="21" name="Gerader Verbinder 20">
-            <a:extLst>
-              <a:ext uri="{FF2B5EF4-FFF2-40B4-BE49-F238E27FC236}">
-                <a16:creationId xmlns:a16="http://schemas.microsoft.com/office/drawing/2014/main" id="{DBB66054-0065-D172-0069-33293221748F}"/>
-              </a:ext>
-            </a:extLst>
-          </p:cNvPr>
-          <p:cNvCxnSpPr>
-            <a:cxnSpLocks/>
-            <a:stCxn id="24" idx="0"/>
-          </p:cNvCxnSpPr>
-          <p:nvPr/>
-        </p:nvCxnSpPr>
-        <p:spPr>
-          <a:xfrm>
-            <a:off x="2487770" y="971571"/>
-            <a:ext cx="0" cy="3486129"/>
-          </a:xfrm>
-          <a:prstGeom prst="line">
-            <a:avLst/>
-          </a:prstGeom>
-          <a:ln w="127000">
-            <a:solidFill>
+            </a:fontRef>
+          </p:style>
+          <p:txBody>
+            <a:bodyPr rtlCol="0" anchor="ctr"/>
+            <a:lstStyle/>
+            <a:p>
+              <a:pPr algn="ctr"/>
+              <a:endParaRPr lang="de-DE"/>
+            </a:p>
+          </p:txBody>
+        </p:sp>
+        <p:cxnSp>
+          <p:nvCxnSpPr>
+            <p:cNvPr id="21" name="Gerader Verbinder 20">
+              <a:extLst>
+                <a:ext uri="{FF2B5EF4-FFF2-40B4-BE49-F238E27FC236}">
+                  <a16:creationId xmlns:a16="http://schemas.microsoft.com/office/drawing/2014/main" id="{DBB66054-0065-D172-0069-33293221748F}"/>
+                </a:ext>
+              </a:extLst>
+            </p:cNvPr>
+            <p:cNvCxnSpPr>
+              <a:cxnSpLocks/>
+              <a:stCxn id="24" idx="0"/>
+            </p:cNvCxnSpPr>
+            <p:nvPr/>
+          </p:nvCxnSpPr>
+          <p:spPr>
+            <a:xfrm>
+              <a:off x="2487770" y="971571"/>
+              <a:ext cx="0" cy="3486129"/>
+            </a:xfrm>
+            <a:prstGeom prst="line">
+              <a:avLst/>
+            </a:prstGeom>
+            <a:ln w="127000">
+              <a:solidFill>
+                <a:schemeClr val="tx1"/>
+              </a:solidFill>
+            </a:ln>
+          </p:spPr>
+          <p:style>
+            <a:lnRef idx="2">
+              <a:schemeClr val="accent1"/>
+            </a:lnRef>
+            <a:fillRef idx="0">
+              <a:schemeClr val="accent1"/>
+            </a:fillRef>
+            <a:effectRef idx="1">
+              <a:schemeClr val="accent1"/>
+            </a:effectRef>
+            <a:fontRef idx="minor">
               <a:schemeClr val="tx1"/>
-            </a:solidFill>
-          </a:ln>
-        </p:spPr>
-        <p:style>
-          <a:lnRef idx="2">
-            <a:schemeClr val="accent1"/>
-          </a:lnRef>
-          <a:fillRef idx="0">
-            <a:schemeClr val="accent1"/>
-          </a:fillRef>
-          <a:effectRef idx="1">
-            <a:schemeClr val="accent1"/>
-          </a:effectRef>
-          <a:fontRef idx="minor">
-            <a:schemeClr val="tx1"/>
-          </a:fontRef>
-        </p:style>
-      </p:cxnSp>
-      <p:sp>
-        <p:nvSpPr>
-          <p:cNvPr id="24" name="Bogen 23">
-            <a:extLst>
-              <a:ext uri="{FF2B5EF4-FFF2-40B4-BE49-F238E27FC236}">
-                <a16:creationId xmlns:a16="http://schemas.microsoft.com/office/drawing/2014/main" id="{58781BB6-2D36-8974-8A14-9620F5B0C56F}"/>
-              </a:ext>
-            </a:extLst>
-          </p:cNvPr>
-          <p:cNvSpPr>
-            <a:spLocks noChangeAspect="1"/>
-          </p:cNvSpPr>
-          <p:nvPr/>
-        </p:nvSpPr>
-        <p:spPr>
-          <a:xfrm>
-            <a:off x="2487705" y="737345"/>
-            <a:ext cx="479611" cy="479611"/>
-          </a:xfrm>
-          <a:prstGeom prst="arc">
-            <a:avLst>
-              <a:gd name="adj1" fmla="val 10879999"/>
-              <a:gd name="adj2" fmla="val 16214288"/>
-            </a:avLst>
-          </a:prstGeom>
-          <a:ln w="127000">
-            <a:solidFill>
+            </a:fontRef>
+          </p:style>
+        </p:cxnSp>
+        <p:sp>
+          <p:nvSpPr>
+            <p:cNvPr id="24" name="Bogen 23">
+              <a:extLst>
+                <a:ext uri="{FF2B5EF4-FFF2-40B4-BE49-F238E27FC236}">
+                  <a16:creationId xmlns:a16="http://schemas.microsoft.com/office/drawing/2014/main" id="{58781BB6-2D36-8974-8A14-9620F5B0C56F}"/>
+                </a:ext>
+              </a:extLst>
+            </p:cNvPr>
+            <p:cNvSpPr>
+              <a:spLocks noChangeAspect="1"/>
+            </p:cNvSpPr>
+            <p:nvPr/>
+          </p:nvSpPr>
+          <p:spPr>
+            <a:xfrm>
+              <a:off x="2487705" y="737345"/>
+              <a:ext cx="479611" cy="479611"/>
+            </a:xfrm>
+            <a:prstGeom prst="arc">
+              <a:avLst>
+                <a:gd name="adj1" fmla="val 10879999"/>
+                <a:gd name="adj2" fmla="val 16214288"/>
+              </a:avLst>
+            </a:prstGeom>
+            <a:ln w="127000">
+              <a:solidFill>
+                <a:schemeClr val="tx1"/>
+              </a:solidFill>
+            </a:ln>
+          </p:spPr>
+          <p:style>
+            <a:lnRef idx="2">
+              <a:schemeClr val="accent1"/>
+            </a:lnRef>
+            <a:fillRef idx="0">
+              <a:schemeClr val="accent1"/>
+            </a:fillRef>
+            <a:effectRef idx="1">
+              <a:schemeClr val="accent1"/>
+            </a:effectRef>
+            <a:fontRef idx="minor">
               <a:schemeClr val="tx1"/>
-            </a:solidFill>
-          </a:ln>
-        </p:spPr>
-        <p:style>
-          <a:lnRef idx="2">
-            <a:schemeClr val="accent1"/>
-          </a:lnRef>
-          <a:fillRef idx="0">
-            <a:schemeClr val="accent1"/>
-          </a:fillRef>
-          <a:effectRef idx="1">
-            <a:schemeClr val="accent1"/>
-          </a:effectRef>
-          <a:fontRef idx="minor">
-            <a:schemeClr val="tx1"/>
-          </a:fontRef>
-        </p:style>
-        <p:txBody>
-          <a:bodyPr rtlCol="0" anchor="ctr"/>
-          <a:lstStyle/>
-          <a:p>
-            <a:pPr algn="ctr"/>
-            <a:endParaRPr lang="de-DE"/>
-          </a:p>
-        </p:txBody>
-      </p:sp>
-      <p:cxnSp>
-        <p:nvCxnSpPr>
-          <p:cNvPr id="26" name="Gerader Verbinder 25">
-            <a:extLst>
-              <a:ext uri="{FF2B5EF4-FFF2-40B4-BE49-F238E27FC236}">
-                <a16:creationId xmlns:a16="http://schemas.microsoft.com/office/drawing/2014/main" id="{F4FD15D2-97C7-54EE-2D43-8CCF7EC54047}"/>
-              </a:ext>
-            </a:extLst>
-          </p:cNvPr>
-          <p:cNvCxnSpPr>
-            <a:cxnSpLocks/>
-          </p:cNvCxnSpPr>
-          <p:nvPr/>
-        </p:nvCxnSpPr>
-        <p:spPr>
-          <a:xfrm flipV="1">
-            <a:off x="2721783" y="737345"/>
-            <a:ext cx="337422" cy="2"/>
-          </a:xfrm>
-          <a:prstGeom prst="line">
-            <a:avLst/>
-          </a:prstGeom>
-          <a:ln w="127000">
-            <a:solidFill>
+            </a:fontRef>
+          </p:style>
+          <p:txBody>
+            <a:bodyPr rtlCol="0" anchor="ctr"/>
+            <a:lstStyle/>
+            <a:p>
+              <a:pPr algn="ctr"/>
+              <a:endParaRPr lang="de-DE"/>
+            </a:p>
+          </p:txBody>
+        </p:sp>
+        <p:cxnSp>
+          <p:nvCxnSpPr>
+            <p:cNvPr id="26" name="Gerader Verbinder 25">
+              <a:extLst>
+                <a:ext uri="{FF2B5EF4-FFF2-40B4-BE49-F238E27FC236}">
+                  <a16:creationId xmlns:a16="http://schemas.microsoft.com/office/drawing/2014/main" id="{F4FD15D2-97C7-54EE-2D43-8CCF7EC54047}"/>
+                </a:ext>
+              </a:extLst>
+            </p:cNvPr>
+            <p:cNvCxnSpPr>
+              <a:cxnSpLocks/>
+            </p:cNvCxnSpPr>
+            <p:nvPr/>
+          </p:nvCxnSpPr>
+          <p:spPr>
+            <a:xfrm flipV="1">
+              <a:off x="2721783" y="737345"/>
+              <a:ext cx="337422" cy="2"/>
+            </a:xfrm>
+            <a:prstGeom prst="line">
+              <a:avLst/>
+            </a:prstGeom>
+            <a:ln w="127000">
+              <a:solidFill>
+                <a:schemeClr val="tx1"/>
+              </a:solidFill>
+            </a:ln>
+          </p:spPr>
+          <p:style>
+            <a:lnRef idx="2">
+              <a:schemeClr val="accent1"/>
+            </a:lnRef>
+            <a:fillRef idx="0">
+              <a:schemeClr val="accent1"/>
+            </a:fillRef>
+            <a:effectRef idx="1">
+              <a:schemeClr val="accent1"/>
+            </a:effectRef>
+            <a:fontRef idx="minor">
               <a:schemeClr val="tx1"/>
-            </a:solidFill>
-          </a:ln>
-        </p:spPr>
-        <p:style>
-          <a:lnRef idx="2">
-            <a:schemeClr val="accent1"/>
-          </a:lnRef>
-          <a:fillRef idx="0">
-            <a:schemeClr val="accent1"/>
-          </a:fillRef>
-          <a:effectRef idx="1">
-            <a:schemeClr val="accent1"/>
-          </a:effectRef>
-          <a:fontRef idx="minor">
-            <a:schemeClr val="tx1"/>
-          </a:fontRef>
-        </p:style>
-      </p:cxnSp>
-      <p:sp>
-        <p:nvSpPr>
-          <p:cNvPr id="31" name="Bogen 30">
-            <a:extLst>
-              <a:ext uri="{FF2B5EF4-FFF2-40B4-BE49-F238E27FC236}">
-                <a16:creationId xmlns:a16="http://schemas.microsoft.com/office/drawing/2014/main" id="{154DF50F-7426-E1C9-06A8-26E83AD6DF19}"/>
-              </a:ext>
-            </a:extLst>
-          </p:cNvPr>
-          <p:cNvSpPr>
-            <a:spLocks noChangeAspect="1"/>
-          </p:cNvSpPr>
-          <p:nvPr/>
-        </p:nvSpPr>
-        <p:spPr>
-          <a:xfrm flipH="1">
-            <a:off x="2819399" y="737345"/>
-            <a:ext cx="479611" cy="479611"/>
-          </a:xfrm>
-          <a:prstGeom prst="arc">
-            <a:avLst>
-              <a:gd name="adj1" fmla="val 10879999"/>
-              <a:gd name="adj2" fmla="val 16214288"/>
-            </a:avLst>
-          </a:prstGeom>
-          <a:ln w="127000">
-            <a:solidFill>
+            </a:fontRef>
+          </p:style>
+        </p:cxnSp>
+        <p:sp>
+          <p:nvSpPr>
+            <p:cNvPr id="31" name="Bogen 30">
+              <a:extLst>
+                <a:ext uri="{FF2B5EF4-FFF2-40B4-BE49-F238E27FC236}">
+                  <a16:creationId xmlns:a16="http://schemas.microsoft.com/office/drawing/2014/main" id="{154DF50F-7426-E1C9-06A8-26E83AD6DF19}"/>
+                </a:ext>
+              </a:extLst>
+            </p:cNvPr>
+            <p:cNvSpPr>
+              <a:spLocks noChangeAspect="1"/>
+            </p:cNvSpPr>
+            <p:nvPr/>
+          </p:nvSpPr>
+          <p:spPr>
+            <a:xfrm flipH="1">
+              <a:off x="2819399" y="737345"/>
+              <a:ext cx="479611" cy="479611"/>
+            </a:xfrm>
+            <a:prstGeom prst="arc">
+              <a:avLst>
+                <a:gd name="adj1" fmla="val 10879999"/>
+                <a:gd name="adj2" fmla="val 16214288"/>
+              </a:avLst>
+            </a:prstGeom>
+            <a:ln w="127000">
+              <a:solidFill>
+                <a:schemeClr val="tx1"/>
+              </a:solidFill>
+            </a:ln>
+          </p:spPr>
+          <p:style>
+            <a:lnRef idx="2">
+              <a:schemeClr val="accent1"/>
+            </a:lnRef>
+            <a:fillRef idx="0">
+              <a:schemeClr val="accent1"/>
+            </a:fillRef>
+            <a:effectRef idx="1">
+              <a:schemeClr val="accent1"/>
+            </a:effectRef>
+            <a:fontRef idx="minor">
               <a:schemeClr val="tx1"/>
-            </a:solidFill>
-          </a:ln>
-        </p:spPr>
-        <p:style>
-          <a:lnRef idx="2">
-            <a:schemeClr val="accent1"/>
-          </a:lnRef>
-          <a:fillRef idx="0">
-            <a:schemeClr val="accent1"/>
-          </a:fillRef>
-          <a:effectRef idx="1">
-            <a:schemeClr val="accent1"/>
-          </a:effectRef>
-          <a:fontRef idx="minor">
-            <a:schemeClr val="tx1"/>
-          </a:fontRef>
-        </p:style>
-        <p:txBody>
-          <a:bodyPr rtlCol="0" anchor="ctr"/>
-          <a:lstStyle/>
-          <a:p>
-            <a:pPr algn="ctr"/>
-            <a:endParaRPr lang="de-DE"/>
-          </a:p>
-        </p:txBody>
-      </p:sp>
-      <p:cxnSp>
-        <p:nvCxnSpPr>
-          <p:cNvPr id="32" name="Gerader Verbinder 31">
-            <a:extLst>
-              <a:ext uri="{FF2B5EF4-FFF2-40B4-BE49-F238E27FC236}">
-                <a16:creationId xmlns:a16="http://schemas.microsoft.com/office/drawing/2014/main" id="{F71BC069-2F31-2B51-86B2-52D260D11050}"/>
-              </a:ext>
-            </a:extLst>
-          </p:cNvPr>
-          <p:cNvCxnSpPr>
-            <a:cxnSpLocks/>
-          </p:cNvCxnSpPr>
-          <p:nvPr/>
-        </p:nvCxnSpPr>
-        <p:spPr>
-          <a:xfrm>
-            <a:off x="3298945" y="964847"/>
-            <a:ext cx="0" cy="3492853"/>
-          </a:xfrm>
-          <a:prstGeom prst="line">
-            <a:avLst/>
-          </a:prstGeom>
-          <a:ln w="127000">
-            <a:solidFill>
+            </a:fontRef>
+          </p:style>
+          <p:txBody>
+            <a:bodyPr rtlCol="0" anchor="ctr"/>
+            <a:lstStyle/>
+            <a:p>
+              <a:pPr algn="ctr"/>
+              <a:endParaRPr lang="de-DE"/>
+            </a:p>
+          </p:txBody>
+        </p:sp>
+        <p:cxnSp>
+          <p:nvCxnSpPr>
+            <p:cNvPr id="32" name="Gerader Verbinder 31">
+              <a:extLst>
+                <a:ext uri="{FF2B5EF4-FFF2-40B4-BE49-F238E27FC236}">
+                  <a16:creationId xmlns:a16="http://schemas.microsoft.com/office/drawing/2014/main" id="{F71BC069-2F31-2B51-86B2-52D260D11050}"/>
+                </a:ext>
+              </a:extLst>
+            </p:cNvPr>
+            <p:cNvCxnSpPr>
+              <a:cxnSpLocks/>
+            </p:cNvCxnSpPr>
+            <p:nvPr/>
+          </p:nvCxnSpPr>
+          <p:spPr>
+            <a:xfrm>
+              <a:off x="3298945" y="964847"/>
+              <a:ext cx="0" cy="3492853"/>
+            </a:xfrm>
+            <a:prstGeom prst="line">
+              <a:avLst/>
+            </a:prstGeom>
+            <a:ln w="127000">
+              <a:solidFill>
+                <a:schemeClr val="tx1"/>
+              </a:solidFill>
+            </a:ln>
+          </p:spPr>
+          <p:style>
+            <a:lnRef idx="2">
+              <a:schemeClr val="accent1"/>
+            </a:lnRef>
+            <a:fillRef idx="0">
+              <a:schemeClr val="accent1"/>
+            </a:fillRef>
+            <a:effectRef idx="1">
+              <a:schemeClr val="accent1"/>
+            </a:effectRef>
+            <a:fontRef idx="minor">
               <a:schemeClr val="tx1"/>
-            </a:solidFill>
-          </a:ln>
-        </p:spPr>
-        <p:style>
-          <a:lnRef idx="2">
-            <a:schemeClr val="accent1"/>
-          </a:lnRef>
-          <a:fillRef idx="0">
-            <a:schemeClr val="accent1"/>
-          </a:fillRef>
-          <a:effectRef idx="1">
-            <a:schemeClr val="accent1"/>
-          </a:effectRef>
-          <a:fontRef idx="minor">
-            <a:schemeClr val="tx1"/>
-          </a:fontRef>
-        </p:style>
-      </p:cxnSp>
-      <p:cxnSp>
-        <p:nvCxnSpPr>
-          <p:cNvPr id="41" name="Gerader Verbinder 40">
-            <a:extLst>
-              <a:ext uri="{FF2B5EF4-FFF2-40B4-BE49-F238E27FC236}">
-                <a16:creationId xmlns:a16="http://schemas.microsoft.com/office/drawing/2014/main" id="{07390AE4-9E69-4A8A-66E4-BE03BA8FA2F5}"/>
-              </a:ext>
-            </a:extLst>
-          </p:cNvPr>
-          <p:cNvCxnSpPr>
-            <a:cxnSpLocks/>
-          </p:cNvCxnSpPr>
-          <p:nvPr/>
-        </p:nvCxnSpPr>
-        <p:spPr>
-          <a:xfrm flipV="1">
-            <a:off x="2109939" y="4224616"/>
-            <a:ext cx="337422" cy="2"/>
-          </a:xfrm>
-          <a:prstGeom prst="line">
-            <a:avLst/>
-          </a:prstGeom>
-          <a:ln w="101600">
-            <a:solidFill>
+            </a:fontRef>
+          </p:style>
+        </p:cxnSp>
+        <p:cxnSp>
+          <p:nvCxnSpPr>
+            <p:cNvPr id="41" name="Gerader Verbinder 40">
+              <a:extLst>
+                <a:ext uri="{FF2B5EF4-FFF2-40B4-BE49-F238E27FC236}">
+                  <a16:creationId xmlns:a16="http://schemas.microsoft.com/office/drawing/2014/main" id="{07390AE4-9E69-4A8A-66E4-BE03BA8FA2F5}"/>
+                </a:ext>
+              </a:extLst>
+            </p:cNvPr>
+            <p:cNvCxnSpPr>
+              <a:cxnSpLocks/>
+            </p:cNvCxnSpPr>
+            <p:nvPr/>
+          </p:nvCxnSpPr>
+          <p:spPr>
+            <a:xfrm flipV="1">
+              <a:off x="2109939" y="4224616"/>
+              <a:ext cx="337422" cy="2"/>
+            </a:xfrm>
+            <a:prstGeom prst="line">
+              <a:avLst/>
+            </a:prstGeom>
+            <a:ln w="101600">
+              <a:solidFill>
+                <a:schemeClr val="tx1"/>
+              </a:solidFill>
+            </a:ln>
+          </p:spPr>
+          <p:style>
+            <a:lnRef idx="2">
+              <a:schemeClr val="accent1"/>
+            </a:lnRef>
+            <a:fillRef idx="0">
+              <a:schemeClr val="accent1"/>
+            </a:fillRef>
+            <a:effectRef idx="1">
+              <a:schemeClr val="accent1"/>
+            </a:effectRef>
+            <a:fontRef idx="minor">
               <a:schemeClr val="tx1"/>
-            </a:solidFill>
-          </a:ln>
-        </p:spPr>
-        <p:style>
-          <a:lnRef idx="2">
-            <a:schemeClr val="accent1"/>
-          </a:lnRef>
-          <a:fillRef idx="0">
-            <a:schemeClr val="accent1"/>
-          </a:fillRef>
-          <a:effectRef idx="1">
-            <a:schemeClr val="accent1"/>
-          </a:effectRef>
-          <a:fontRef idx="minor">
-            <a:schemeClr val="tx1"/>
-          </a:fontRef>
-        </p:style>
-      </p:cxnSp>
-      <p:cxnSp>
-        <p:nvCxnSpPr>
-          <p:cNvPr id="42" name="Gerader Verbinder 41">
-            <a:extLst>
-              <a:ext uri="{FF2B5EF4-FFF2-40B4-BE49-F238E27FC236}">
-                <a16:creationId xmlns:a16="http://schemas.microsoft.com/office/drawing/2014/main" id="{054B2D0C-C096-6FD7-CEAE-BE77212F711A}"/>
-              </a:ext>
-            </a:extLst>
-          </p:cNvPr>
-          <p:cNvCxnSpPr>
-            <a:cxnSpLocks/>
-          </p:cNvCxnSpPr>
-          <p:nvPr/>
-        </p:nvCxnSpPr>
-        <p:spPr>
-          <a:xfrm flipV="1">
-            <a:off x="2150283" y="1032087"/>
-            <a:ext cx="337422" cy="2"/>
-          </a:xfrm>
-          <a:prstGeom prst="line">
-            <a:avLst/>
-          </a:prstGeom>
-          <a:ln w="101600">
-            <a:solidFill>
+            </a:fontRef>
+          </p:style>
+        </p:cxnSp>
+        <p:cxnSp>
+          <p:nvCxnSpPr>
+            <p:cNvPr id="42" name="Gerader Verbinder 41">
+              <a:extLst>
+                <a:ext uri="{FF2B5EF4-FFF2-40B4-BE49-F238E27FC236}">
+                  <a16:creationId xmlns:a16="http://schemas.microsoft.com/office/drawing/2014/main" id="{054B2D0C-C096-6FD7-CEAE-BE77212F711A}"/>
+                </a:ext>
+              </a:extLst>
+            </p:cNvPr>
+            <p:cNvCxnSpPr>
+              <a:cxnSpLocks/>
+            </p:cNvCxnSpPr>
+            <p:nvPr/>
+          </p:nvCxnSpPr>
+          <p:spPr>
+            <a:xfrm flipV="1">
+              <a:off x="2150283" y="1032087"/>
+              <a:ext cx="337422" cy="2"/>
+            </a:xfrm>
+            <a:prstGeom prst="line">
+              <a:avLst/>
+            </a:prstGeom>
+            <a:ln w="101600">
+              <a:solidFill>
+                <a:schemeClr val="tx1"/>
+              </a:solidFill>
+            </a:ln>
+          </p:spPr>
+          <p:style>
+            <a:lnRef idx="2">
+              <a:schemeClr val="accent1"/>
+            </a:lnRef>
+            <a:fillRef idx="0">
+              <a:schemeClr val="accent1"/>
+            </a:fillRef>
+            <a:effectRef idx="1">
+              <a:schemeClr val="accent1"/>
+            </a:effectRef>
+            <a:fontRef idx="minor">
               <a:schemeClr val="tx1"/>
-            </a:solidFill>
-          </a:ln>
-        </p:spPr>
-        <p:style>
-          <a:lnRef idx="2">
-            <a:schemeClr val="accent1"/>
-          </a:lnRef>
-          <a:fillRef idx="0">
-            <a:schemeClr val="accent1"/>
-          </a:fillRef>
-          <a:effectRef idx="1">
-            <a:schemeClr val="accent1"/>
-          </a:effectRef>
-          <a:fontRef idx="minor">
-            <a:schemeClr val="tx1"/>
-          </a:fontRef>
-        </p:style>
-      </p:cxnSp>
-      <p:cxnSp>
-        <p:nvCxnSpPr>
-          <p:cNvPr id="43" name="Gerader Verbinder 42">
-            <a:extLst>
-              <a:ext uri="{FF2B5EF4-FFF2-40B4-BE49-F238E27FC236}">
-                <a16:creationId xmlns:a16="http://schemas.microsoft.com/office/drawing/2014/main" id="{D0C6CF81-078B-7567-2ACC-2EF4C1D38BB7}"/>
-              </a:ext>
-            </a:extLst>
-          </p:cNvPr>
-          <p:cNvCxnSpPr>
-            <a:cxnSpLocks/>
-          </p:cNvCxnSpPr>
-          <p:nvPr/>
-        </p:nvCxnSpPr>
-        <p:spPr>
-          <a:xfrm flipV="1">
-            <a:off x="2110753" y="2627840"/>
-            <a:ext cx="337422" cy="2"/>
-          </a:xfrm>
-          <a:prstGeom prst="line">
-            <a:avLst/>
-          </a:prstGeom>
-          <a:ln w="101600">
-            <a:solidFill>
+            </a:fontRef>
+          </p:style>
+        </p:cxnSp>
+        <p:cxnSp>
+          <p:nvCxnSpPr>
+            <p:cNvPr id="43" name="Gerader Verbinder 42">
+              <a:extLst>
+                <a:ext uri="{FF2B5EF4-FFF2-40B4-BE49-F238E27FC236}">
+                  <a16:creationId xmlns:a16="http://schemas.microsoft.com/office/drawing/2014/main" id="{D0C6CF81-078B-7567-2ACC-2EF4C1D38BB7}"/>
+                </a:ext>
+              </a:extLst>
+            </p:cNvPr>
+            <p:cNvCxnSpPr>
+              <a:cxnSpLocks/>
+            </p:cNvCxnSpPr>
+            <p:nvPr/>
+          </p:nvCxnSpPr>
+          <p:spPr>
+            <a:xfrm flipV="1">
+              <a:off x="2110753" y="2627840"/>
+              <a:ext cx="337422" cy="2"/>
+            </a:xfrm>
+            <a:prstGeom prst="line">
+              <a:avLst/>
+            </a:prstGeom>
+            <a:ln w="101600">
+              <a:solidFill>
+                <a:schemeClr val="tx1"/>
+              </a:solidFill>
+            </a:ln>
+          </p:spPr>
+          <p:style>
+            <a:lnRef idx="2">
+              <a:schemeClr val="accent1"/>
+            </a:lnRef>
+            <a:fillRef idx="0">
+              <a:schemeClr val="accent1"/>
+            </a:fillRef>
+            <a:effectRef idx="1">
+              <a:schemeClr val="accent1"/>
+            </a:effectRef>
+            <a:fontRef idx="minor">
               <a:schemeClr val="tx1"/>
-            </a:solidFill>
-          </a:ln>
-        </p:spPr>
-        <p:style>
-          <a:lnRef idx="2">
-            <a:schemeClr val="accent1"/>
-          </a:lnRef>
-          <a:fillRef idx="0">
-            <a:schemeClr val="accent1"/>
-          </a:fillRef>
-          <a:effectRef idx="1">
-            <a:schemeClr val="accent1"/>
-          </a:effectRef>
-          <a:fontRef idx="minor">
-            <a:schemeClr val="tx1"/>
-          </a:fontRef>
-        </p:style>
-      </p:cxnSp>
-      <p:cxnSp>
-        <p:nvCxnSpPr>
-          <p:cNvPr id="44" name="Gerader Verbinder 43">
-            <a:extLst>
-              <a:ext uri="{FF2B5EF4-FFF2-40B4-BE49-F238E27FC236}">
-                <a16:creationId xmlns:a16="http://schemas.microsoft.com/office/drawing/2014/main" id="{0A5BB4E2-E44B-4999-4436-72183666673C}"/>
-              </a:ext>
-            </a:extLst>
-          </p:cNvPr>
-          <p:cNvCxnSpPr>
-            <a:cxnSpLocks/>
-          </p:cNvCxnSpPr>
-          <p:nvPr/>
-        </p:nvCxnSpPr>
-        <p:spPr>
-          <a:xfrm flipV="1">
-            <a:off x="2124204" y="3405543"/>
-            <a:ext cx="337422" cy="2"/>
-          </a:xfrm>
-          <a:prstGeom prst="line">
-            <a:avLst/>
-          </a:prstGeom>
-          <a:ln w="101600">
-            <a:solidFill>
+            </a:fontRef>
+          </p:style>
+        </p:cxnSp>
+        <p:cxnSp>
+          <p:nvCxnSpPr>
+            <p:cNvPr id="44" name="Gerader Verbinder 43">
+              <a:extLst>
+                <a:ext uri="{FF2B5EF4-FFF2-40B4-BE49-F238E27FC236}">
+                  <a16:creationId xmlns:a16="http://schemas.microsoft.com/office/drawing/2014/main" id="{0A5BB4E2-E44B-4999-4436-72183666673C}"/>
+                </a:ext>
+              </a:extLst>
+            </p:cNvPr>
+            <p:cNvCxnSpPr>
+              <a:cxnSpLocks/>
+            </p:cNvCxnSpPr>
+            <p:nvPr/>
+          </p:nvCxnSpPr>
+          <p:spPr>
+            <a:xfrm flipV="1">
+              <a:off x="2124204" y="3405543"/>
+              <a:ext cx="337422" cy="2"/>
+            </a:xfrm>
+            <a:prstGeom prst="line">
+              <a:avLst/>
+            </a:prstGeom>
+            <a:ln w="101600">
+              <a:solidFill>
+                <a:schemeClr val="tx1"/>
+              </a:solidFill>
+            </a:ln>
+          </p:spPr>
+          <p:style>
+            <a:lnRef idx="2">
+              <a:schemeClr val="accent1"/>
+            </a:lnRef>
+            <a:fillRef idx="0">
+              <a:schemeClr val="accent1"/>
+            </a:fillRef>
+            <a:effectRef idx="1">
+              <a:schemeClr val="accent1"/>
+            </a:effectRef>
+            <a:fontRef idx="minor">
               <a:schemeClr val="tx1"/>
-            </a:solidFill>
-          </a:ln>
-        </p:spPr>
-        <p:style>
-          <a:lnRef idx="2">
-            <a:schemeClr val="accent1"/>
-          </a:lnRef>
-          <a:fillRef idx="0">
-            <a:schemeClr val="accent1"/>
-          </a:fillRef>
-          <a:effectRef idx="1">
-            <a:schemeClr val="accent1"/>
-          </a:effectRef>
-          <a:fontRef idx="minor">
-            <a:schemeClr val="tx1"/>
-          </a:fontRef>
-        </p:style>
-      </p:cxnSp>
-      <p:cxnSp>
-        <p:nvCxnSpPr>
-          <p:cNvPr id="45" name="Gerader Verbinder 44">
-            <a:extLst>
-              <a:ext uri="{FF2B5EF4-FFF2-40B4-BE49-F238E27FC236}">
-                <a16:creationId xmlns:a16="http://schemas.microsoft.com/office/drawing/2014/main" id="{5B9B835A-1378-5DE3-6B7D-84F5EEF33CE4}"/>
-              </a:ext>
-            </a:extLst>
-          </p:cNvPr>
-          <p:cNvCxnSpPr>
-            <a:cxnSpLocks/>
-          </p:cNvCxnSpPr>
-          <p:nvPr/>
-        </p:nvCxnSpPr>
-        <p:spPr>
-          <a:xfrm flipV="1">
-            <a:off x="2124204" y="1810303"/>
-            <a:ext cx="337422" cy="2"/>
-          </a:xfrm>
-          <a:prstGeom prst="line">
-            <a:avLst/>
-          </a:prstGeom>
-          <a:ln w="101600">
-            <a:solidFill>
+            </a:fontRef>
+          </p:style>
+        </p:cxnSp>
+        <p:cxnSp>
+          <p:nvCxnSpPr>
+            <p:cNvPr id="45" name="Gerader Verbinder 44">
+              <a:extLst>
+                <a:ext uri="{FF2B5EF4-FFF2-40B4-BE49-F238E27FC236}">
+                  <a16:creationId xmlns:a16="http://schemas.microsoft.com/office/drawing/2014/main" id="{5B9B835A-1378-5DE3-6B7D-84F5EEF33CE4}"/>
+                </a:ext>
+              </a:extLst>
+            </p:cNvPr>
+            <p:cNvCxnSpPr>
+              <a:cxnSpLocks/>
+            </p:cNvCxnSpPr>
+            <p:nvPr/>
+          </p:nvCxnSpPr>
+          <p:spPr>
+            <a:xfrm flipV="1">
+              <a:off x="2124204" y="1810303"/>
+              <a:ext cx="337422" cy="2"/>
+            </a:xfrm>
+            <a:prstGeom prst="line">
+              <a:avLst/>
+            </a:prstGeom>
+            <a:ln w="101600">
+              <a:solidFill>
+                <a:schemeClr val="tx1"/>
+              </a:solidFill>
+            </a:ln>
+          </p:spPr>
+          <p:style>
+            <a:lnRef idx="2">
+              <a:schemeClr val="accent1"/>
+            </a:lnRef>
+            <a:fillRef idx="0">
+              <a:schemeClr val="accent1"/>
+            </a:fillRef>
+            <a:effectRef idx="1">
+              <a:schemeClr val="accent1"/>
+            </a:effectRef>
+            <a:fontRef idx="minor">
               <a:schemeClr val="tx1"/>
-            </a:solidFill>
-          </a:ln>
-        </p:spPr>
-        <p:style>
-          <a:lnRef idx="2">
-            <a:schemeClr val="accent1"/>
-          </a:lnRef>
-          <a:fillRef idx="0">
-            <a:schemeClr val="accent1"/>
-          </a:fillRef>
-          <a:effectRef idx="1">
-            <a:schemeClr val="accent1"/>
-          </a:effectRef>
-          <a:fontRef idx="minor">
-            <a:schemeClr val="tx1"/>
-          </a:fontRef>
-        </p:style>
-      </p:cxnSp>
+            </a:fontRef>
+          </p:style>
+        </p:cxnSp>
+      </p:grpSp>
     </p:spTree>
     <p:extLst>
       <p:ext uri="{BB962C8B-B14F-4D97-AF65-F5344CB8AC3E}">
